--- a/02-VUE-BASE/vue-base.pptx
+++ b/02-VUE-BASE/vue-base.pptx
@@ -1,23 +1,23 @@
 
 <file path=ppt/presentation.xml><?xml version="1.0" encoding="utf-8"?>
-<p:presentation xmlns:a="http://schemas.openxmlformats.org/drawingml/2006/main" xmlns:r="http://schemas.openxmlformats.org/officeDocument/2006/relationships" xmlns:p="http://schemas.openxmlformats.org/presentationml/2006/main" saveSubsetFonts="1">
+<p:presentation xmlns:a="http://schemas.openxmlformats.org/drawingml/2006/main" xmlns:r="http://schemas.openxmlformats.org/officeDocument/2006/relationships" xmlns:p="http://schemas.openxmlformats.org/presentationml/2006/main">
   <p:sldMasterIdLst>
     <p:sldMasterId id="2147483648" r:id="rId1"/>
   </p:sldMasterIdLst>
   <p:sldIdLst>
-    <p:sldId id="256" r:id="rId2"/>
-    <p:sldId id="257" r:id="rId3"/>
-    <p:sldId id="258" r:id="rId4"/>
-    <p:sldId id="259" r:id="rId5"/>
-    <p:sldId id="260" r:id="rId6"/>
-    <p:sldId id="261" r:id="rId7"/>
-    <p:sldId id="262" r:id="rId8"/>
-    <p:sldId id="264" r:id="rId9"/>
-    <p:sldId id="263" r:id="rId10"/>
-    <p:sldId id="265" r:id="rId11"/>
-    <p:sldId id="267" r:id="rId12"/>
-    <p:sldId id="269" r:id="rId13"/>
-    <p:sldId id="268" r:id="rId14"/>
+    <p:sldId id="256" r:id="rId3"/>
+    <p:sldId id="257" r:id="rId4"/>
+    <p:sldId id="258" r:id="rId5"/>
+    <p:sldId id="259" r:id="rId6"/>
+    <p:sldId id="260" r:id="rId7"/>
+    <p:sldId id="261" r:id="rId8"/>
+    <p:sldId id="262" r:id="rId9"/>
+    <p:sldId id="264" r:id="rId10"/>
+    <p:sldId id="263" r:id="rId11"/>
+    <p:sldId id="265" r:id="rId12"/>
+    <p:sldId id="267" r:id="rId13"/>
+    <p:sldId id="269" r:id="rId14"/>
+    <p:sldId id="268" r:id="rId15"/>
   </p:sldIdLst>
   <p:sldSz cx="12192000" cy="6858000"/>
   <p:notesSz cx="6858000" cy="9144000"/>
@@ -116,23 +116,12 @@
       </a:defRPr>
     </a:lvl9pPr>
   </p:defaultTextStyle>
-  <p:extLst>
-    <p:ext uri="{EFAFB233-063F-42B5-8137-9DF3F51BA10A}">
-      <p15:sldGuideLst xmlns:p15="http://schemas.microsoft.com/office/powerpoint/2012/main"/>
-    </p:ext>
-  </p:extLst>
 </p:presentation>
 </file>
 
 <file path=ppt/commentAuthors.xml><?xml version="1.0" encoding="utf-8"?>
 <p:cmAuthorLst xmlns:a="http://schemas.openxmlformats.org/drawingml/2006/main" xmlns:r="http://schemas.openxmlformats.org/officeDocument/2006/relationships" xmlns:p="http://schemas.openxmlformats.org/presentationml/2006/main">
-  <p:cmAuthor id="1" name="智遠 成" initials="智遠" lastIdx="1" clrIdx="0">
-    <p:extLst>
-      <p:ext uri="{19B8F6BF-5375-455C-9EA6-DF929625EA0E}">
-        <p15:presenceInfo xmlns:p15="http://schemas.microsoft.com/office/powerpoint/2012/main" userId="fd43e007af542ba5" providerId="Windows Live"/>
-      </p:ext>
-    </p:extLst>
-  </p:cmAuthor>
+  <p:cmAuthor id="1" name="智遠 成" initials="智遠" lastIdx="1" clrIdx="0"/>
 </p:cmAuthorLst>
 </file>
 
@@ -155,13 +144,7 @@
       </p:grpSpPr>
       <p:sp>
         <p:nvSpPr>
-          <p:cNvPr id="2" name="標題 1">
-            <a:extLst>
-              <a:ext uri="{FF2B5EF4-FFF2-40B4-BE49-F238E27FC236}">
-                <a16:creationId xmlns:a16="http://schemas.microsoft.com/office/drawing/2014/main" id="{8D215100-D723-4F74-87CD-BDB67315911F}"/>
-              </a:ext>
-            </a:extLst>
-          </p:cNvPr>
+          <p:cNvPr id="2" name="標題 1"/>
           <p:cNvSpPr>
             <a:spLocks noGrp="1"/>
           </p:cNvSpPr>
@@ -187,23 +170,18 @@
               <a:rPr lang="zh-TW" altLang="en-US"/>
               <a:t>按一下以編輯母片標題樣式</a:t>
             </a:r>
-          </a:p>
-        </p:txBody>
-      </p:sp>
-      <p:sp>
-        <p:nvSpPr>
-          <p:cNvPr id="3" name="副標題 2">
-            <a:extLst>
-              <a:ext uri="{FF2B5EF4-FFF2-40B4-BE49-F238E27FC236}">
-                <a16:creationId xmlns:a16="http://schemas.microsoft.com/office/drawing/2014/main" id="{49E3249B-04F0-4A66-840E-FAB1207DB293}"/>
-              </a:ext>
-            </a:extLst>
-          </p:cNvPr>
-          <p:cNvSpPr>
-            <a:spLocks noGrp="1"/>
-          </p:cNvSpPr>
-          <p:nvPr>
-            <p:ph type="subTitle" idx="1"/>
+            <a:endParaRPr lang="zh-TW" altLang="en-US"/>
+          </a:p>
+        </p:txBody>
+      </p:sp>
+      <p:sp>
+        <p:nvSpPr>
+          <p:cNvPr id="3" name="副標題 2"/>
+          <p:cNvSpPr>
+            <a:spLocks noGrp="1"/>
+          </p:cNvSpPr>
+          <p:nvPr>
+            <p:ph type="subTitle" idx="1" hasCustomPrompt="1"/>
           </p:nvPr>
         </p:nvSpPr>
         <p:spPr>
@@ -257,18 +235,13 @@
               <a:rPr lang="zh-TW" altLang="en-US"/>
               <a:t>按一下以編輯母片子標題樣式</a:t>
             </a:r>
-          </a:p>
-        </p:txBody>
-      </p:sp>
-      <p:sp>
-        <p:nvSpPr>
-          <p:cNvPr id="4" name="日期版面配置區 3">
-            <a:extLst>
-              <a:ext uri="{FF2B5EF4-FFF2-40B4-BE49-F238E27FC236}">
-                <a16:creationId xmlns:a16="http://schemas.microsoft.com/office/drawing/2014/main" id="{5B24F194-B2E7-4F26-8FB8-DD53B81B0EA3}"/>
-              </a:ext>
-            </a:extLst>
-          </p:cNvPr>
+            <a:endParaRPr lang="zh-TW" altLang="en-US"/>
+          </a:p>
+        </p:txBody>
+      </p:sp>
+      <p:sp>
+        <p:nvSpPr>
+          <p:cNvPr id="4" name="日期版面配置區 3"/>
           <p:cNvSpPr>
             <a:spLocks noGrp="1"/>
           </p:cNvSpPr>
@@ -283,7 +256,6 @@
           <a:p>
             <a:fld id="{55B5673A-2C76-400E-AECF-A7C5CD58B306}" type="datetimeFigureOut">
               <a:rPr lang="zh-TW" altLang="en-US" smtClean="0"/>
-              <a:t>2020/10/14</a:t>
             </a:fld>
             <a:endParaRPr lang="zh-TW" altLang="en-US"/>
           </a:p>
@@ -291,13 +263,7 @@
       </p:sp>
       <p:sp>
         <p:nvSpPr>
-          <p:cNvPr id="5" name="頁尾版面配置區 4">
-            <a:extLst>
-              <a:ext uri="{FF2B5EF4-FFF2-40B4-BE49-F238E27FC236}">
-                <a16:creationId xmlns:a16="http://schemas.microsoft.com/office/drawing/2014/main" id="{DCF3DEC5-BBDB-44DB-8ACE-93BD38F32179}"/>
-              </a:ext>
-            </a:extLst>
-          </p:cNvPr>
+          <p:cNvPr id="5" name="頁尾版面配置區 4"/>
           <p:cNvSpPr>
             <a:spLocks noGrp="1"/>
           </p:cNvSpPr>
@@ -316,13 +282,7 @@
       </p:sp>
       <p:sp>
         <p:nvSpPr>
-          <p:cNvPr id="6" name="投影片編號版面配置區 5">
-            <a:extLst>
-              <a:ext uri="{FF2B5EF4-FFF2-40B4-BE49-F238E27FC236}">
-                <a16:creationId xmlns:a16="http://schemas.microsoft.com/office/drawing/2014/main" id="{9E1FDB64-CDA1-4EC1-B495-B1A16FD87C72}"/>
-              </a:ext>
-            </a:extLst>
-          </p:cNvPr>
+          <p:cNvPr id="6" name="投影片編號版面配置區 5"/>
           <p:cNvSpPr>
             <a:spLocks noGrp="1"/>
           </p:cNvSpPr>
@@ -337,18 +297,12 @@
           <a:p>
             <a:fld id="{6900312B-7472-4F46-9FFE-919720F629D9}" type="slidenum">
               <a:rPr lang="zh-TW" altLang="en-US" smtClean="0"/>
-              <a:t>‹#›</a:t>
             </a:fld>
             <a:endParaRPr lang="zh-TW" altLang="en-US"/>
           </a:p>
         </p:txBody>
       </p:sp>
     </p:spTree>
-    <p:extLst>
-      <p:ext uri="{BB962C8B-B14F-4D97-AF65-F5344CB8AC3E}">
-        <p14:creationId xmlns:p14="http://schemas.microsoft.com/office/powerpoint/2010/main" val="2776200401"/>
-      </p:ext>
-    </p:extLst>
   </p:cSld>
   <p:clrMapOvr>
     <a:masterClrMapping/>
@@ -375,13 +329,7 @@
       </p:grpSpPr>
       <p:sp>
         <p:nvSpPr>
-          <p:cNvPr id="2" name="標題 1">
-            <a:extLst>
-              <a:ext uri="{FF2B5EF4-FFF2-40B4-BE49-F238E27FC236}">
-                <a16:creationId xmlns:a16="http://schemas.microsoft.com/office/drawing/2014/main" id="{7E25AAC4-E258-4AEE-AFCB-0827366FCC7B}"/>
-              </a:ext>
-            </a:extLst>
-          </p:cNvPr>
+          <p:cNvPr id="2" name="標題 1"/>
           <p:cNvSpPr>
             <a:spLocks noGrp="1"/>
           </p:cNvSpPr>
@@ -398,18 +346,13 @@
               <a:rPr lang="zh-TW" altLang="en-US"/>
               <a:t>按一下以編輯母片標題樣式</a:t>
             </a:r>
-          </a:p>
-        </p:txBody>
-      </p:sp>
-      <p:sp>
-        <p:nvSpPr>
-          <p:cNvPr id="3" name="直排文字版面配置區 2">
-            <a:extLst>
-              <a:ext uri="{FF2B5EF4-FFF2-40B4-BE49-F238E27FC236}">
-                <a16:creationId xmlns:a16="http://schemas.microsoft.com/office/drawing/2014/main" id="{047BF440-A149-47B3-B41E-BD9EBF1C3F4E}"/>
-              </a:ext>
-            </a:extLst>
-          </p:cNvPr>
+            <a:endParaRPr lang="zh-TW" altLang="en-US"/>
+          </a:p>
+        </p:txBody>
+      </p:sp>
+      <p:sp>
+        <p:nvSpPr>
+          <p:cNvPr id="3" name="直排文字版面配置區 2"/>
           <p:cNvSpPr>
             <a:spLocks noGrp="1"/>
           </p:cNvSpPr>
@@ -427,6 +370,7 @@
               <a:rPr lang="zh-TW" altLang="en-US"/>
               <a:t>按一下以編輯母片文字樣式</a:t>
             </a:r>
+            <a:endParaRPr lang="zh-TW" altLang="en-US"/>
           </a:p>
           <a:p>
             <a:pPr lvl="1"/>
@@ -434,6 +378,7 @@
               <a:rPr lang="zh-TW" altLang="en-US"/>
               <a:t>第二層</a:t>
             </a:r>
+            <a:endParaRPr lang="zh-TW" altLang="en-US"/>
           </a:p>
           <a:p>
             <a:pPr lvl="2"/>
@@ -441,6 +386,7 @@
               <a:rPr lang="zh-TW" altLang="en-US"/>
               <a:t>第三層</a:t>
             </a:r>
+            <a:endParaRPr lang="zh-TW" altLang="en-US"/>
           </a:p>
           <a:p>
             <a:pPr lvl="3"/>
@@ -448,6 +394,7 @@
               <a:rPr lang="zh-TW" altLang="en-US"/>
               <a:t>第四層</a:t>
             </a:r>
+            <a:endParaRPr lang="zh-TW" altLang="en-US"/>
           </a:p>
           <a:p>
             <a:pPr lvl="4"/>
@@ -455,18 +402,13 @@
               <a:rPr lang="zh-TW" altLang="en-US"/>
               <a:t>第五層</a:t>
             </a:r>
-          </a:p>
-        </p:txBody>
-      </p:sp>
-      <p:sp>
-        <p:nvSpPr>
-          <p:cNvPr id="4" name="日期版面配置區 3">
-            <a:extLst>
-              <a:ext uri="{FF2B5EF4-FFF2-40B4-BE49-F238E27FC236}">
-                <a16:creationId xmlns:a16="http://schemas.microsoft.com/office/drawing/2014/main" id="{4B95C3EF-9210-497F-82FC-3A84443D2483}"/>
-              </a:ext>
-            </a:extLst>
-          </p:cNvPr>
+            <a:endParaRPr lang="zh-TW" altLang="en-US"/>
+          </a:p>
+        </p:txBody>
+      </p:sp>
+      <p:sp>
+        <p:nvSpPr>
+          <p:cNvPr id="4" name="日期版面配置區 3"/>
           <p:cNvSpPr>
             <a:spLocks noGrp="1"/>
           </p:cNvSpPr>
@@ -481,7 +423,6 @@
           <a:p>
             <a:fld id="{55B5673A-2C76-400E-AECF-A7C5CD58B306}" type="datetimeFigureOut">
               <a:rPr lang="zh-TW" altLang="en-US" smtClean="0"/>
-              <a:t>2020/10/14</a:t>
             </a:fld>
             <a:endParaRPr lang="zh-TW" altLang="en-US"/>
           </a:p>
@@ -489,13 +430,7 @@
       </p:sp>
       <p:sp>
         <p:nvSpPr>
-          <p:cNvPr id="5" name="頁尾版面配置區 4">
-            <a:extLst>
-              <a:ext uri="{FF2B5EF4-FFF2-40B4-BE49-F238E27FC236}">
-                <a16:creationId xmlns:a16="http://schemas.microsoft.com/office/drawing/2014/main" id="{AB209FC0-B937-4802-8C45-C7D907BF8418}"/>
-              </a:ext>
-            </a:extLst>
-          </p:cNvPr>
+          <p:cNvPr id="5" name="頁尾版面配置區 4"/>
           <p:cNvSpPr>
             <a:spLocks noGrp="1"/>
           </p:cNvSpPr>
@@ -514,13 +449,7 @@
       </p:sp>
       <p:sp>
         <p:nvSpPr>
-          <p:cNvPr id="6" name="投影片編號版面配置區 5">
-            <a:extLst>
-              <a:ext uri="{FF2B5EF4-FFF2-40B4-BE49-F238E27FC236}">
-                <a16:creationId xmlns:a16="http://schemas.microsoft.com/office/drawing/2014/main" id="{C4B5CEEF-9618-4CE2-BFB8-B740BC4D4997}"/>
-              </a:ext>
-            </a:extLst>
-          </p:cNvPr>
+          <p:cNvPr id="6" name="投影片編號版面配置區 5"/>
           <p:cNvSpPr>
             <a:spLocks noGrp="1"/>
           </p:cNvSpPr>
@@ -535,18 +464,12 @@
           <a:p>
             <a:fld id="{6900312B-7472-4F46-9FFE-919720F629D9}" type="slidenum">
               <a:rPr lang="zh-TW" altLang="en-US" smtClean="0"/>
-              <a:t>‹#›</a:t>
             </a:fld>
             <a:endParaRPr lang="zh-TW" altLang="en-US"/>
           </a:p>
         </p:txBody>
       </p:sp>
     </p:spTree>
-    <p:extLst>
-      <p:ext uri="{BB962C8B-B14F-4D97-AF65-F5344CB8AC3E}">
-        <p14:creationId xmlns:p14="http://schemas.microsoft.com/office/powerpoint/2010/main" val="2480162911"/>
-      </p:ext>
-    </p:extLst>
   </p:cSld>
   <p:clrMapOvr>
     <a:masterClrMapping/>
@@ -573,13 +496,7 @@
       </p:grpSpPr>
       <p:sp>
         <p:nvSpPr>
-          <p:cNvPr id="2" name="直排標題 1">
-            <a:extLst>
-              <a:ext uri="{FF2B5EF4-FFF2-40B4-BE49-F238E27FC236}">
-                <a16:creationId xmlns:a16="http://schemas.microsoft.com/office/drawing/2014/main" id="{81D531CB-821F-47D0-A1F0-A9A017D212BD}"/>
-              </a:ext>
-            </a:extLst>
-          </p:cNvPr>
+          <p:cNvPr id="2" name="直排標題 1"/>
           <p:cNvSpPr>
             <a:spLocks noGrp="1"/>
           </p:cNvSpPr>
@@ -601,18 +518,13 @@
               <a:rPr lang="zh-TW" altLang="en-US"/>
               <a:t>按一下以編輯母片標題樣式</a:t>
             </a:r>
-          </a:p>
-        </p:txBody>
-      </p:sp>
-      <p:sp>
-        <p:nvSpPr>
-          <p:cNvPr id="3" name="直排文字版面配置區 2">
-            <a:extLst>
-              <a:ext uri="{FF2B5EF4-FFF2-40B4-BE49-F238E27FC236}">
-                <a16:creationId xmlns:a16="http://schemas.microsoft.com/office/drawing/2014/main" id="{C60A2C09-F7F9-4BA9-92DE-E10EEBE805A4}"/>
-              </a:ext>
-            </a:extLst>
-          </p:cNvPr>
+            <a:endParaRPr lang="zh-TW" altLang="en-US"/>
+          </a:p>
+        </p:txBody>
+      </p:sp>
+      <p:sp>
+        <p:nvSpPr>
+          <p:cNvPr id="3" name="直排文字版面配置區 2"/>
           <p:cNvSpPr>
             <a:spLocks noGrp="1"/>
           </p:cNvSpPr>
@@ -635,6 +547,7 @@
               <a:rPr lang="zh-TW" altLang="en-US"/>
               <a:t>按一下以編輯母片文字樣式</a:t>
             </a:r>
+            <a:endParaRPr lang="zh-TW" altLang="en-US"/>
           </a:p>
           <a:p>
             <a:pPr lvl="1"/>
@@ -642,6 +555,7 @@
               <a:rPr lang="zh-TW" altLang="en-US"/>
               <a:t>第二層</a:t>
             </a:r>
+            <a:endParaRPr lang="zh-TW" altLang="en-US"/>
           </a:p>
           <a:p>
             <a:pPr lvl="2"/>
@@ -649,6 +563,7 @@
               <a:rPr lang="zh-TW" altLang="en-US"/>
               <a:t>第三層</a:t>
             </a:r>
+            <a:endParaRPr lang="zh-TW" altLang="en-US"/>
           </a:p>
           <a:p>
             <a:pPr lvl="3"/>
@@ -656,6 +571,7 @@
               <a:rPr lang="zh-TW" altLang="en-US"/>
               <a:t>第四層</a:t>
             </a:r>
+            <a:endParaRPr lang="zh-TW" altLang="en-US"/>
           </a:p>
           <a:p>
             <a:pPr lvl="4"/>
@@ -663,18 +579,13 @@
               <a:rPr lang="zh-TW" altLang="en-US"/>
               <a:t>第五層</a:t>
             </a:r>
-          </a:p>
-        </p:txBody>
-      </p:sp>
-      <p:sp>
-        <p:nvSpPr>
-          <p:cNvPr id="4" name="日期版面配置區 3">
-            <a:extLst>
-              <a:ext uri="{FF2B5EF4-FFF2-40B4-BE49-F238E27FC236}">
-                <a16:creationId xmlns:a16="http://schemas.microsoft.com/office/drawing/2014/main" id="{FB75644F-48DD-4CBC-8488-397F0BCB722C}"/>
-              </a:ext>
-            </a:extLst>
-          </p:cNvPr>
+            <a:endParaRPr lang="zh-TW" altLang="en-US"/>
+          </a:p>
+        </p:txBody>
+      </p:sp>
+      <p:sp>
+        <p:nvSpPr>
+          <p:cNvPr id="4" name="日期版面配置區 3"/>
           <p:cNvSpPr>
             <a:spLocks noGrp="1"/>
           </p:cNvSpPr>
@@ -689,7 +600,6 @@
           <a:p>
             <a:fld id="{55B5673A-2C76-400E-AECF-A7C5CD58B306}" type="datetimeFigureOut">
               <a:rPr lang="zh-TW" altLang="en-US" smtClean="0"/>
-              <a:t>2020/10/14</a:t>
             </a:fld>
             <a:endParaRPr lang="zh-TW" altLang="en-US"/>
           </a:p>
@@ -697,13 +607,7 @@
       </p:sp>
       <p:sp>
         <p:nvSpPr>
-          <p:cNvPr id="5" name="頁尾版面配置區 4">
-            <a:extLst>
-              <a:ext uri="{FF2B5EF4-FFF2-40B4-BE49-F238E27FC236}">
-                <a16:creationId xmlns:a16="http://schemas.microsoft.com/office/drawing/2014/main" id="{7D940D9F-294D-4EDC-BFCF-34DD7E076E56}"/>
-              </a:ext>
-            </a:extLst>
-          </p:cNvPr>
+          <p:cNvPr id="5" name="頁尾版面配置區 4"/>
           <p:cNvSpPr>
             <a:spLocks noGrp="1"/>
           </p:cNvSpPr>
@@ -722,13 +626,7 @@
       </p:sp>
       <p:sp>
         <p:nvSpPr>
-          <p:cNvPr id="6" name="投影片編號版面配置區 5">
-            <a:extLst>
-              <a:ext uri="{FF2B5EF4-FFF2-40B4-BE49-F238E27FC236}">
-                <a16:creationId xmlns:a16="http://schemas.microsoft.com/office/drawing/2014/main" id="{77556D00-CCDA-484D-8CE4-81F68F15007E}"/>
-              </a:ext>
-            </a:extLst>
-          </p:cNvPr>
+          <p:cNvPr id="6" name="投影片編號版面配置區 5"/>
           <p:cNvSpPr>
             <a:spLocks noGrp="1"/>
           </p:cNvSpPr>
@@ -743,18 +641,12 @@
           <a:p>
             <a:fld id="{6900312B-7472-4F46-9FFE-919720F629D9}" type="slidenum">
               <a:rPr lang="zh-TW" altLang="en-US" smtClean="0"/>
-              <a:t>‹#›</a:t>
             </a:fld>
             <a:endParaRPr lang="zh-TW" altLang="en-US"/>
           </a:p>
         </p:txBody>
       </p:sp>
     </p:spTree>
-    <p:extLst>
-      <p:ext uri="{BB962C8B-B14F-4D97-AF65-F5344CB8AC3E}">
-        <p14:creationId xmlns:p14="http://schemas.microsoft.com/office/powerpoint/2010/main" val="167686291"/>
-      </p:ext>
-    </p:extLst>
   </p:cSld>
   <p:clrMapOvr>
     <a:masterClrMapping/>
@@ -781,13 +673,7 @@
       </p:grpSpPr>
       <p:sp>
         <p:nvSpPr>
-          <p:cNvPr id="2" name="標題 1">
-            <a:extLst>
-              <a:ext uri="{FF2B5EF4-FFF2-40B4-BE49-F238E27FC236}">
-                <a16:creationId xmlns:a16="http://schemas.microsoft.com/office/drawing/2014/main" id="{FB86D9FF-62E0-4FB4-B0C6-DE660C03CD8C}"/>
-              </a:ext>
-            </a:extLst>
-          </p:cNvPr>
+          <p:cNvPr id="2" name="標題 1"/>
           <p:cNvSpPr>
             <a:spLocks noGrp="1"/>
           </p:cNvSpPr>
@@ -804,18 +690,13 @@
               <a:rPr lang="zh-TW" altLang="en-US"/>
               <a:t>按一下以編輯母片標題樣式</a:t>
             </a:r>
-          </a:p>
-        </p:txBody>
-      </p:sp>
-      <p:sp>
-        <p:nvSpPr>
-          <p:cNvPr id="3" name="內容版面配置區 2">
-            <a:extLst>
-              <a:ext uri="{FF2B5EF4-FFF2-40B4-BE49-F238E27FC236}">
-                <a16:creationId xmlns:a16="http://schemas.microsoft.com/office/drawing/2014/main" id="{8C9D5BA6-3D08-4C97-BDC9-011764F6851D}"/>
-              </a:ext>
-            </a:extLst>
-          </p:cNvPr>
+            <a:endParaRPr lang="zh-TW" altLang="en-US"/>
+          </a:p>
+        </p:txBody>
+      </p:sp>
+      <p:sp>
+        <p:nvSpPr>
+          <p:cNvPr id="3" name="內容版面配置區 2"/>
           <p:cNvSpPr>
             <a:spLocks noGrp="1"/>
           </p:cNvSpPr>
@@ -833,6 +714,7 @@
               <a:rPr lang="zh-TW" altLang="en-US"/>
               <a:t>按一下以編輯母片文字樣式</a:t>
             </a:r>
+            <a:endParaRPr lang="zh-TW" altLang="en-US"/>
           </a:p>
           <a:p>
             <a:pPr lvl="1"/>
@@ -840,6 +722,7 @@
               <a:rPr lang="zh-TW" altLang="en-US"/>
               <a:t>第二層</a:t>
             </a:r>
+            <a:endParaRPr lang="zh-TW" altLang="en-US"/>
           </a:p>
           <a:p>
             <a:pPr lvl="2"/>
@@ -847,6 +730,7 @@
               <a:rPr lang="zh-TW" altLang="en-US"/>
               <a:t>第三層</a:t>
             </a:r>
+            <a:endParaRPr lang="zh-TW" altLang="en-US"/>
           </a:p>
           <a:p>
             <a:pPr lvl="3"/>
@@ -854,6 +738,7 @@
               <a:rPr lang="zh-TW" altLang="en-US"/>
               <a:t>第四層</a:t>
             </a:r>
+            <a:endParaRPr lang="zh-TW" altLang="en-US"/>
           </a:p>
           <a:p>
             <a:pPr lvl="4"/>
@@ -861,18 +746,13 @@
               <a:rPr lang="zh-TW" altLang="en-US"/>
               <a:t>第五層</a:t>
             </a:r>
-          </a:p>
-        </p:txBody>
-      </p:sp>
-      <p:sp>
-        <p:nvSpPr>
-          <p:cNvPr id="4" name="日期版面配置區 3">
-            <a:extLst>
-              <a:ext uri="{FF2B5EF4-FFF2-40B4-BE49-F238E27FC236}">
-                <a16:creationId xmlns:a16="http://schemas.microsoft.com/office/drawing/2014/main" id="{B78A5EEB-A615-414A-BAA9-43257FBBD401}"/>
-              </a:ext>
-            </a:extLst>
-          </p:cNvPr>
+            <a:endParaRPr lang="zh-TW" altLang="en-US"/>
+          </a:p>
+        </p:txBody>
+      </p:sp>
+      <p:sp>
+        <p:nvSpPr>
+          <p:cNvPr id="4" name="日期版面配置區 3"/>
           <p:cNvSpPr>
             <a:spLocks noGrp="1"/>
           </p:cNvSpPr>
@@ -887,7 +767,6 @@
           <a:p>
             <a:fld id="{55B5673A-2C76-400E-AECF-A7C5CD58B306}" type="datetimeFigureOut">
               <a:rPr lang="zh-TW" altLang="en-US" smtClean="0"/>
-              <a:t>2020/10/14</a:t>
             </a:fld>
             <a:endParaRPr lang="zh-TW" altLang="en-US"/>
           </a:p>
@@ -895,13 +774,7 @@
       </p:sp>
       <p:sp>
         <p:nvSpPr>
-          <p:cNvPr id="5" name="頁尾版面配置區 4">
-            <a:extLst>
-              <a:ext uri="{FF2B5EF4-FFF2-40B4-BE49-F238E27FC236}">
-                <a16:creationId xmlns:a16="http://schemas.microsoft.com/office/drawing/2014/main" id="{E4303D45-04FE-4C99-98C2-4040BA327F8D}"/>
-              </a:ext>
-            </a:extLst>
-          </p:cNvPr>
+          <p:cNvPr id="5" name="頁尾版面配置區 4"/>
           <p:cNvSpPr>
             <a:spLocks noGrp="1"/>
           </p:cNvSpPr>
@@ -920,13 +793,7 @@
       </p:sp>
       <p:sp>
         <p:nvSpPr>
-          <p:cNvPr id="6" name="投影片編號版面配置區 5">
-            <a:extLst>
-              <a:ext uri="{FF2B5EF4-FFF2-40B4-BE49-F238E27FC236}">
-                <a16:creationId xmlns:a16="http://schemas.microsoft.com/office/drawing/2014/main" id="{9B3E6B9E-071E-465A-85B1-C62017FFEEAA}"/>
-              </a:ext>
-            </a:extLst>
-          </p:cNvPr>
+          <p:cNvPr id="6" name="投影片編號版面配置區 5"/>
           <p:cNvSpPr>
             <a:spLocks noGrp="1"/>
           </p:cNvSpPr>
@@ -941,18 +808,12 @@
           <a:p>
             <a:fld id="{6900312B-7472-4F46-9FFE-919720F629D9}" type="slidenum">
               <a:rPr lang="zh-TW" altLang="en-US" smtClean="0"/>
-              <a:t>‹#›</a:t>
             </a:fld>
             <a:endParaRPr lang="zh-TW" altLang="en-US"/>
           </a:p>
         </p:txBody>
       </p:sp>
     </p:spTree>
-    <p:extLst>
-      <p:ext uri="{BB962C8B-B14F-4D97-AF65-F5344CB8AC3E}">
-        <p14:creationId xmlns:p14="http://schemas.microsoft.com/office/powerpoint/2010/main" val="2465765682"/>
-      </p:ext>
-    </p:extLst>
   </p:cSld>
   <p:clrMapOvr>
     <a:masterClrMapping/>
@@ -979,13 +840,7 @@
       </p:grpSpPr>
       <p:sp>
         <p:nvSpPr>
-          <p:cNvPr id="2" name="標題 1">
-            <a:extLst>
-              <a:ext uri="{FF2B5EF4-FFF2-40B4-BE49-F238E27FC236}">
-                <a16:creationId xmlns:a16="http://schemas.microsoft.com/office/drawing/2014/main" id="{9A25AAA2-88E3-4BCB-ADAF-00391BB08FE0}"/>
-              </a:ext>
-            </a:extLst>
-          </p:cNvPr>
+          <p:cNvPr id="2" name="標題 1"/>
           <p:cNvSpPr>
             <a:spLocks noGrp="1"/>
           </p:cNvSpPr>
@@ -1011,18 +866,13 @@
               <a:rPr lang="zh-TW" altLang="en-US"/>
               <a:t>按一下以編輯母片標題樣式</a:t>
             </a:r>
-          </a:p>
-        </p:txBody>
-      </p:sp>
-      <p:sp>
-        <p:nvSpPr>
-          <p:cNvPr id="3" name="文字版面配置區 2">
-            <a:extLst>
-              <a:ext uri="{FF2B5EF4-FFF2-40B4-BE49-F238E27FC236}">
-                <a16:creationId xmlns:a16="http://schemas.microsoft.com/office/drawing/2014/main" id="{177C12B6-E7AC-42D6-B5E4-836B7BA7FA49}"/>
-              </a:ext>
-            </a:extLst>
-          </p:cNvPr>
+            <a:endParaRPr lang="zh-TW" altLang="en-US"/>
+          </a:p>
+        </p:txBody>
+      </p:sp>
+      <p:sp>
+        <p:nvSpPr>
+          <p:cNvPr id="3" name="文字版面配置區 2"/>
           <p:cNvSpPr>
             <a:spLocks noGrp="1"/>
           </p:cNvSpPr>
@@ -1136,18 +986,13 @@
               <a:rPr lang="zh-TW" altLang="en-US"/>
               <a:t>按一下以編輯母片文字樣式</a:t>
             </a:r>
-          </a:p>
-        </p:txBody>
-      </p:sp>
-      <p:sp>
-        <p:nvSpPr>
-          <p:cNvPr id="4" name="日期版面配置區 3">
-            <a:extLst>
-              <a:ext uri="{FF2B5EF4-FFF2-40B4-BE49-F238E27FC236}">
-                <a16:creationId xmlns:a16="http://schemas.microsoft.com/office/drawing/2014/main" id="{2E0C106F-B4CA-46AA-B12B-2602C02C4CE9}"/>
-              </a:ext>
-            </a:extLst>
-          </p:cNvPr>
+            <a:endParaRPr lang="zh-TW" altLang="en-US"/>
+          </a:p>
+        </p:txBody>
+      </p:sp>
+      <p:sp>
+        <p:nvSpPr>
+          <p:cNvPr id="4" name="日期版面配置區 3"/>
           <p:cNvSpPr>
             <a:spLocks noGrp="1"/>
           </p:cNvSpPr>
@@ -1162,7 +1007,6 @@
           <a:p>
             <a:fld id="{55B5673A-2C76-400E-AECF-A7C5CD58B306}" type="datetimeFigureOut">
               <a:rPr lang="zh-TW" altLang="en-US" smtClean="0"/>
-              <a:t>2020/10/14</a:t>
             </a:fld>
             <a:endParaRPr lang="zh-TW" altLang="en-US"/>
           </a:p>
@@ -1170,13 +1014,7 @@
       </p:sp>
       <p:sp>
         <p:nvSpPr>
-          <p:cNvPr id="5" name="頁尾版面配置區 4">
-            <a:extLst>
-              <a:ext uri="{FF2B5EF4-FFF2-40B4-BE49-F238E27FC236}">
-                <a16:creationId xmlns:a16="http://schemas.microsoft.com/office/drawing/2014/main" id="{5CB5C316-9B86-4C47-BDB8-DDFCCDDD48E4}"/>
-              </a:ext>
-            </a:extLst>
-          </p:cNvPr>
+          <p:cNvPr id="5" name="頁尾版面配置區 4"/>
           <p:cNvSpPr>
             <a:spLocks noGrp="1"/>
           </p:cNvSpPr>
@@ -1195,13 +1033,7 @@
       </p:sp>
       <p:sp>
         <p:nvSpPr>
-          <p:cNvPr id="6" name="投影片編號版面配置區 5">
-            <a:extLst>
-              <a:ext uri="{FF2B5EF4-FFF2-40B4-BE49-F238E27FC236}">
-                <a16:creationId xmlns:a16="http://schemas.microsoft.com/office/drawing/2014/main" id="{9461A51C-E960-4410-9FE0-99A83A39F1DB}"/>
-              </a:ext>
-            </a:extLst>
-          </p:cNvPr>
+          <p:cNvPr id="6" name="投影片編號版面配置區 5"/>
           <p:cNvSpPr>
             <a:spLocks noGrp="1"/>
           </p:cNvSpPr>
@@ -1216,18 +1048,12 @@
           <a:p>
             <a:fld id="{6900312B-7472-4F46-9FFE-919720F629D9}" type="slidenum">
               <a:rPr lang="zh-TW" altLang="en-US" smtClean="0"/>
-              <a:t>‹#›</a:t>
             </a:fld>
             <a:endParaRPr lang="zh-TW" altLang="en-US"/>
           </a:p>
         </p:txBody>
       </p:sp>
     </p:spTree>
-    <p:extLst>
-      <p:ext uri="{BB962C8B-B14F-4D97-AF65-F5344CB8AC3E}">
-        <p14:creationId xmlns:p14="http://schemas.microsoft.com/office/powerpoint/2010/main" val="3918672157"/>
-      </p:ext>
-    </p:extLst>
   </p:cSld>
   <p:clrMapOvr>
     <a:masterClrMapping/>
@@ -1254,13 +1080,7 @@
       </p:grpSpPr>
       <p:sp>
         <p:nvSpPr>
-          <p:cNvPr id="2" name="標題 1">
-            <a:extLst>
-              <a:ext uri="{FF2B5EF4-FFF2-40B4-BE49-F238E27FC236}">
-                <a16:creationId xmlns:a16="http://schemas.microsoft.com/office/drawing/2014/main" id="{CB49D822-6B2D-4FDC-85C6-87F5F0030B75}"/>
-              </a:ext>
-            </a:extLst>
-          </p:cNvPr>
+          <p:cNvPr id="2" name="標題 1"/>
           <p:cNvSpPr>
             <a:spLocks noGrp="1"/>
           </p:cNvSpPr>
@@ -1277,18 +1097,13 @@
               <a:rPr lang="zh-TW" altLang="en-US"/>
               <a:t>按一下以編輯母片標題樣式</a:t>
             </a:r>
-          </a:p>
-        </p:txBody>
-      </p:sp>
-      <p:sp>
-        <p:nvSpPr>
-          <p:cNvPr id="3" name="內容版面配置區 2">
-            <a:extLst>
-              <a:ext uri="{FF2B5EF4-FFF2-40B4-BE49-F238E27FC236}">
-                <a16:creationId xmlns:a16="http://schemas.microsoft.com/office/drawing/2014/main" id="{DBCAE470-6A6F-4D60-B65C-FF25733D7DA8}"/>
-              </a:ext>
-            </a:extLst>
-          </p:cNvPr>
+            <a:endParaRPr lang="zh-TW" altLang="en-US"/>
+          </a:p>
+        </p:txBody>
+      </p:sp>
+      <p:sp>
+        <p:nvSpPr>
+          <p:cNvPr id="3" name="內容版面配置區 2"/>
           <p:cNvSpPr>
             <a:spLocks noGrp="1"/>
           </p:cNvSpPr>
@@ -1311,6 +1126,7 @@
               <a:rPr lang="zh-TW" altLang="en-US"/>
               <a:t>按一下以編輯母片文字樣式</a:t>
             </a:r>
+            <a:endParaRPr lang="zh-TW" altLang="en-US"/>
           </a:p>
           <a:p>
             <a:pPr lvl="1"/>
@@ -1318,6 +1134,7 @@
               <a:rPr lang="zh-TW" altLang="en-US"/>
               <a:t>第二層</a:t>
             </a:r>
+            <a:endParaRPr lang="zh-TW" altLang="en-US"/>
           </a:p>
           <a:p>
             <a:pPr lvl="2"/>
@@ -1325,6 +1142,7 @@
               <a:rPr lang="zh-TW" altLang="en-US"/>
               <a:t>第三層</a:t>
             </a:r>
+            <a:endParaRPr lang="zh-TW" altLang="en-US"/>
           </a:p>
           <a:p>
             <a:pPr lvl="3"/>
@@ -1332,6 +1150,7 @@
               <a:rPr lang="zh-TW" altLang="en-US"/>
               <a:t>第四層</a:t>
             </a:r>
+            <a:endParaRPr lang="zh-TW" altLang="en-US"/>
           </a:p>
           <a:p>
             <a:pPr lvl="4"/>
@@ -1339,18 +1158,13 @@
               <a:rPr lang="zh-TW" altLang="en-US"/>
               <a:t>第五層</a:t>
             </a:r>
-          </a:p>
-        </p:txBody>
-      </p:sp>
-      <p:sp>
-        <p:nvSpPr>
-          <p:cNvPr id="4" name="內容版面配置區 3">
-            <a:extLst>
-              <a:ext uri="{FF2B5EF4-FFF2-40B4-BE49-F238E27FC236}">
-                <a16:creationId xmlns:a16="http://schemas.microsoft.com/office/drawing/2014/main" id="{D1259641-7985-45AC-AA73-5C696D742C4D}"/>
-              </a:ext>
-            </a:extLst>
-          </p:cNvPr>
+            <a:endParaRPr lang="zh-TW" altLang="en-US"/>
+          </a:p>
+        </p:txBody>
+      </p:sp>
+      <p:sp>
+        <p:nvSpPr>
+          <p:cNvPr id="4" name="內容版面配置區 3"/>
           <p:cNvSpPr>
             <a:spLocks noGrp="1"/>
           </p:cNvSpPr>
@@ -1373,6 +1187,7 @@
               <a:rPr lang="zh-TW" altLang="en-US"/>
               <a:t>按一下以編輯母片文字樣式</a:t>
             </a:r>
+            <a:endParaRPr lang="zh-TW" altLang="en-US"/>
           </a:p>
           <a:p>
             <a:pPr lvl="1"/>
@@ -1380,6 +1195,7 @@
               <a:rPr lang="zh-TW" altLang="en-US"/>
               <a:t>第二層</a:t>
             </a:r>
+            <a:endParaRPr lang="zh-TW" altLang="en-US"/>
           </a:p>
           <a:p>
             <a:pPr lvl="2"/>
@@ -1387,6 +1203,7 @@
               <a:rPr lang="zh-TW" altLang="en-US"/>
               <a:t>第三層</a:t>
             </a:r>
+            <a:endParaRPr lang="zh-TW" altLang="en-US"/>
           </a:p>
           <a:p>
             <a:pPr lvl="3"/>
@@ -1394,6 +1211,7 @@
               <a:rPr lang="zh-TW" altLang="en-US"/>
               <a:t>第四層</a:t>
             </a:r>
+            <a:endParaRPr lang="zh-TW" altLang="en-US"/>
           </a:p>
           <a:p>
             <a:pPr lvl="4"/>
@@ -1401,18 +1219,13 @@
               <a:rPr lang="zh-TW" altLang="en-US"/>
               <a:t>第五層</a:t>
             </a:r>
-          </a:p>
-        </p:txBody>
-      </p:sp>
-      <p:sp>
-        <p:nvSpPr>
-          <p:cNvPr id="5" name="日期版面配置區 4">
-            <a:extLst>
-              <a:ext uri="{FF2B5EF4-FFF2-40B4-BE49-F238E27FC236}">
-                <a16:creationId xmlns:a16="http://schemas.microsoft.com/office/drawing/2014/main" id="{1747592E-215A-4C32-AE4E-8696A5AF04B0}"/>
-              </a:ext>
-            </a:extLst>
-          </p:cNvPr>
+            <a:endParaRPr lang="zh-TW" altLang="en-US"/>
+          </a:p>
+        </p:txBody>
+      </p:sp>
+      <p:sp>
+        <p:nvSpPr>
+          <p:cNvPr id="5" name="日期版面配置區 4"/>
           <p:cNvSpPr>
             <a:spLocks noGrp="1"/>
           </p:cNvSpPr>
@@ -1427,7 +1240,6 @@
           <a:p>
             <a:fld id="{55B5673A-2C76-400E-AECF-A7C5CD58B306}" type="datetimeFigureOut">
               <a:rPr lang="zh-TW" altLang="en-US" smtClean="0"/>
-              <a:t>2020/10/14</a:t>
             </a:fld>
             <a:endParaRPr lang="zh-TW" altLang="en-US"/>
           </a:p>
@@ -1435,13 +1247,7 @@
       </p:sp>
       <p:sp>
         <p:nvSpPr>
-          <p:cNvPr id="6" name="頁尾版面配置區 5">
-            <a:extLst>
-              <a:ext uri="{FF2B5EF4-FFF2-40B4-BE49-F238E27FC236}">
-                <a16:creationId xmlns:a16="http://schemas.microsoft.com/office/drawing/2014/main" id="{20E4F793-7EA5-481E-8693-F3960AAF8890}"/>
-              </a:ext>
-            </a:extLst>
-          </p:cNvPr>
+          <p:cNvPr id="6" name="頁尾版面配置區 5"/>
           <p:cNvSpPr>
             <a:spLocks noGrp="1"/>
           </p:cNvSpPr>
@@ -1460,13 +1266,7 @@
       </p:sp>
       <p:sp>
         <p:nvSpPr>
-          <p:cNvPr id="7" name="投影片編號版面配置區 6">
-            <a:extLst>
-              <a:ext uri="{FF2B5EF4-FFF2-40B4-BE49-F238E27FC236}">
-                <a16:creationId xmlns:a16="http://schemas.microsoft.com/office/drawing/2014/main" id="{F2274464-8797-4CA4-B9B8-962D8BE49461}"/>
-              </a:ext>
-            </a:extLst>
-          </p:cNvPr>
+          <p:cNvPr id="7" name="投影片編號版面配置區 6"/>
           <p:cNvSpPr>
             <a:spLocks noGrp="1"/>
           </p:cNvSpPr>
@@ -1481,18 +1281,12 @@
           <a:p>
             <a:fld id="{6900312B-7472-4F46-9FFE-919720F629D9}" type="slidenum">
               <a:rPr lang="zh-TW" altLang="en-US" smtClean="0"/>
-              <a:t>‹#›</a:t>
             </a:fld>
             <a:endParaRPr lang="zh-TW" altLang="en-US"/>
           </a:p>
         </p:txBody>
       </p:sp>
     </p:spTree>
-    <p:extLst>
-      <p:ext uri="{BB962C8B-B14F-4D97-AF65-F5344CB8AC3E}">
-        <p14:creationId xmlns:p14="http://schemas.microsoft.com/office/powerpoint/2010/main" val="560229751"/>
-      </p:ext>
-    </p:extLst>
   </p:cSld>
   <p:clrMapOvr>
     <a:masterClrMapping/>
@@ -1519,13 +1313,7 @@
       </p:grpSpPr>
       <p:sp>
         <p:nvSpPr>
-          <p:cNvPr id="2" name="標題 1">
-            <a:extLst>
-              <a:ext uri="{FF2B5EF4-FFF2-40B4-BE49-F238E27FC236}">
-                <a16:creationId xmlns:a16="http://schemas.microsoft.com/office/drawing/2014/main" id="{59447B53-74DD-4607-82CC-B02DC7AC5856}"/>
-              </a:ext>
-            </a:extLst>
-          </p:cNvPr>
+          <p:cNvPr id="2" name="標題 1"/>
           <p:cNvSpPr>
             <a:spLocks noGrp="1"/>
           </p:cNvSpPr>
@@ -1547,18 +1335,13 @@
               <a:rPr lang="zh-TW" altLang="en-US"/>
               <a:t>按一下以編輯母片標題樣式</a:t>
             </a:r>
-          </a:p>
-        </p:txBody>
-      </p:sp>
-      <p:sp>
-        <p:nvSpPr>
-          <p:cNvPr id="3" name="文字版面配置區 2">
-            <a:extLst>
-              <a:ext uri="{FF2B5EF4-FFF2-40B4-BE49-F238E27FC236}">
-                <a16:creationId xmlns:a16="http://schemas.microsoft.com/office/drawing/2014/main" id="{D7CB8038-A9FA-4332-9CA8-D814E87D8AE4}"/>
-              </a:ext>
-            </a:extLst>
-          </p:cNvPr>
+            <a:endParaRPr lang="zh-TW" altLang="en-US"/>
+          </a:p>
+        </p:txBody>
+      </p:sp>
+      <p:sp>
+        <p:nvSpPr>
+          <p:cNvPr id="3" name="文字版面配置區 2"/>
           <p:cNvSpPr>
             <a:spLocks noGrp="1"/>
           </p:cNvSpPr>
@@ -1618,18 +1401,13 @@
               <a:rPr lang="zh-TW" altLang="en-US"/>
               <a:t>按一下以編輯母片文字樣式</a:t>
             </a:r>
-          </a:p>
-        </p:txBody>
-      </p:sp>
-      <p:sp>
-        <p:nvSpPr>
-          <p:cNvPr id="4" name="內容版面配置區 3">
-            <a:extLst>
-              <a:ext uri="{FF2B5EF4-FFF2-40B4-BE49-F238E27FC236}">
-                <a16:creationId xmlns:a16="http://schemas.microsoft.com/office/drawing/2014/main" id="{B29EF915-F108-4081-A532-239AFB142FB0}"/>
-              </a:ext>
-            </a:extLst>
-          </p:cNvPr>
+            <a:endParaRPr lang="zh-TW" altLang="en-US"/>
+          </a:p>
+        </p:txBody>
+      </p:sp>
+      <p:sp>
+        <p:nvSpPr>
+          <p:cNvPr id="4" name="內容版面配置區 3"/>
           <p:cNvSpPr>
             <a:spLocks noGrp="1"/>
           </p:cNvSpPr>
@@ -1652,6 +1430,7 @@
               <a:rPr lang="zh-TW" altLang="en-US"/>
               <a:t>按一下以編輯母片文字樣式</a:t>
             </a:r>
+            <a:endParaRPr lang="zh-TW" altLang="en-US"/>
           </a:p>
           <a:p>
             <a:pPr lvl="1"/>
@@ -1659,6 +1438,7 @@
               <a:rPr lang="zh-TW" altLang="en-US"/>
               <a:t>第二層</a:t>
             </a:r>
+            <a:endParaRPr lang="zh-TW" altLang="en-US"/>
           </a:p>
           <a:p>
             <a:pPr lvl="2"/>
@@ -1666,6 +1446,7 @@
               <a:rPr lang="zh-TW" altLang="en-US"/>
               <a:t>第三層</a:t>
             </a:r>
+            <a:endParaRPr lang="zh-TW" altLang="en-US"/>
           </a:p>
           <a:p>
             <a:pPr lvl="3"/>
@@ -1673,6 +1454,7 @@
               <a:rPr lang="zh-TW" altLang="en-US"/>
               <a:t>第四層</a:t>
             </a:r>
+            <a:endParaRPr lang="zh-TW" altLang="en-US"/>
           </a:p>
           <a:p>
             <a:pPr lvl="4"/>
@@ -1680,18 +1462,13 @@
               <a:rPr lang="zh-TW" altLang="en-US"/>
               <a:t>第五層</a:t>
             </a:r>
-          </a:p>
-        </p:txBody>
-      </p:sp>
-      <p:sp>
-        <p:nvSpPr>
-          <p:cNvPr id="5" name="文字版面配置區 4">
-            <a:extLst>
-              <a:ext uri="{FF2B5EF4-FFF2-40B4-BE49-F238E27FC236}">
-                <a16:creationId xmlns:a16="http://schemas.microsoft.com/office/drawing/2014/main" id="{EB775D41-551D-46DE-9D9E-482C0316CCA4}"/>
-              </a:ext>
-            </a:extLst>
-          </p:cNvPr>
+            <a:endParaRPr lang="zh-TW" altLang="en-US"/>
+          </a:p>
+        </p:txBody>
+      </p:sp>
+      <p:sp>
+        <p:nvSpPr>
+          <p:cNvPr id="5" name="文字版面配置區 4"/>
           <p:cNvSpPr>
             <a:spLocks noGrp="1"/>
           </p:cNvSpPr>
@@ -1751,18 +1528,13 @@
               <a:rPr lang="zh-TW" altLang="en-US"/>
               <a:t>按一下以編輯母片文字樣式</a:t>
             </a:r>
-          </a:p>
-        </p:txBody>
-      </p:sp>
-      <p:sp>
-        <p:nvSpPr>
-          <p:cNvPr id="6" name="內容版面配置區 5">
-            <a:extLst>
-              <a:ext uri="{FF2B5EF4-FFF2-40B4-BE49-F238E27FC236}">
-                <a16:creationId xmlns:a16="http://schemas.microsoft.com/office/drawing/2014/main" id="{EAACA15C-D1FB-46EB-9640-374F79987CE8}"/>
-              </a:ext>
-            </a:extLst>
-          </p:cNvPr>
+            <a:endParaRPr lang="zh-TW" altLang="en-US"/>
+          </a:p>
+        </p:txBody>
+      </p:sp>
+      <p:sp>
+        <p:nvSpPr>
+          <p:cNvPr id="6" name="內容版面配置區 5"/>
           <p:cNvSpPr>
             <a:spLocks noGrp="1"/>
           </p:cNvSpPr>
@@ -1785,6 +1557,7 @@
               <a:rPr lang="zh-TW" altLang="en-US"/>
               <a:t>按一下以編輯母片文字樣式</a:t>
             </a:r>
+            <a:endParaRPr lang="zh-TW" altLang="en-US"/>
           </a:p>
           <a:p>
             <a:pPr lvl="1"/>
@@ -1792,6 +1565,7 @@
               <a:rPr lang="zh-TW" altLang="en-US"/>
               <a:t>第二層</a:t>
             </a:r>
+            <a:endParaRPr lang="zh-TW" altLang="en-US"/>
           </a:p>
           <a:p>
             <a:pPr lvl="2"/>
@@ -1799,6 +1573,7 @@
               <a:rPr lang="zh-TW" altLang="en-US"/>
               <a:t>第三層</a:t>
             </a:r>
+            <a:endParaRPr lang="zh-TW" altLang="en-US"/>
           </a:p>
           <a:p>
             <a:pPr lvl="3"/>
@@ -1806,6 +1581,7 @@
               <a:rPr lang="zh-TW" altLang="en-US"/>
               <a:t>第四層</a:t>
             </a:r>
+            <a:endParaRPr lang="zh-TW" altLang="en-US"/>
           </a:p>
           <a:p>
             <a:pPr lvl="4"/>
@@ -1813,18 +1589,13 @@
               <a:rPr lang="zh-TW" altLang="en-US"/>
               <a:t>第五層</a:t>
             </a:r>
-          </a:p>
-        </p:txBody>
-      </p:sp>
-      <p:sp>
-        <p:nvSpPr>
-          <p:cNvPr id="7" name="日期版面配置區 6">
-            <a:extLst>
-              <a:ext uri="{FF2B5EF4-FFF2-40B4-BE49-F238E27FC236}">
-                <a16:creationId xmlns:a16="http://schemas.microsoft.com/office/drawing/2014/main" id="{75E7E2C3-371E-4906-8054-DBC7690DC3D0}"/>
-              </a:ext>
-            </a:extLst>
-          </p:cNvPr>
+            <a:endParaRPr lang="zh-TW" altLang="en-US"/>
+          </a:p>
+        </p:txBody>
+      </p:sp>
+      <p:sp>
+        <p:nvSpPr>
+          <p:cNvPr id="7" name="日期版面配置區 6"/>
           <p:cNvSpPr>
             <a:spLocks noGrp="1"/>
           </p:cNvSpPr>
@@ -1839,7 +1610,6 @@
           <a:p>
             <a:fld id="{55B5673A-2C76-400E-AECF-A7C5CD58B306}" type="datetimeFigureOut">
               <a:rPr lang="zh-TW" altLang="en-US" smtClean="0"/>
-              <a:t>2020/10/14</a:t>
             </a:fld>
             <a:endParaRPr lang="zh-TW" altLang="en-US"/>
           </a:p>
@@ -1847,13 +1617,7 @@
       </p:sp>
       <p:sp>
         <p:nvSpPr>
-          <p:cNvPr id="8" name="頁尾版面配置區 7">
-            <a:extLst>
-              <a:ext uri="{FF2B5EF4-FFF2-40B4-BE49-F238E27FC236}">
-                <a16:creationId xmlns:a16="http://schemas.microsoft.com/office/drawing/2014/main" id="{8F3C8DD6-8E70-4B90-B4E8-255D0C08BD63}"/>
-              </a:ext>
-            </a:extLst>
-          </p:cNvPr>
+          <p:cNvPr id="8" name="頁尾版面配置區 7"/>
           <p:cNvSpPr>
             <a:spLocks noGrp="1"/>
           </p:cNvSpPr>
@@ -1872,13 +1636,7 @@
       </p:sp>
       <p:sp>
         <p:nvSpPr>
-          <p:cNvPr id="9" name="投影片編號版面配置區 8">
-            <a:extLst>
-              <a:ext uri="{FF2B5EF4-FFF2-40B4-BE49-F238E27FC236}">
-                <a16:creationId xmlns:a16="http://schemas.microsoft.com/office/drawing/2014/main" id="{05FDC3B8-5B67-4DD9-855E-69C6052CB727}"/>
-              </a:ext>
-            </a:extLst>
-          </p:cNvPr>
+          <p:cNvPr id="9" name="投影片編號版面配置區 8"/>
           <p:cNvSpPr>
             <a:spLocks noGrp="1"/>
           </p:cNvSpPr>
@@ -1893,18 +1651,12 @@
           <a:p>
             <a:fld id="{6900312B-7472-4F46-9FFE-919720F629D9}" type="slidenum">
               <a:rPr lang="zh-TW" altLang="en-US" smtClean="0"/>
-              <a:t>‹#›</a:t>
             </a:fld>
             <a:endParaRPr lang="zh-TW" altLang="en-US"/>
           </a:p>
         </p:txBody>
       </p:sp>
     </p:spTree>
-    <p:extLst>
-      <p:ext uri="{BB962C8B-B14F-4D97-AF65-F5344CB8AC3E}">
-        <p14:creationId xmlns:p14="http://schemas.microsoft.com/office/powerpoint/2010/main" val="4222983584"/>
-      </p:ext>
-    </p:extLst>
   </p:cSld>
   <p:clrMapOvr>
     <a:masterClrMapping/>
@@ -1931,13 +1683,7 @@
       </p:grpSpPr>
       <p:sp>
         <p:nvSpPr>
-          <p:cNvPr id="2" name="標題 1">
-            <a:extLst>
-              <a:ext uri="{FF2B5EF4-FFF2-40B4-BE49-F238E27FC236}">
-                <a16:creationId xmlns:a16="http://schemas.microsoft.com/office/drawing/2014/main" id="{6B45352D-A41E-46F2-A9CD-675A46722DA4}"/>
-              </a:ext>
-            </a:extLst>
-          </p:cNvPr>
+          <p:cNvPr id="2" name="標題 1"/>
           <p:cNvSpPr>
             <a:spLocks noGrp="1"/>
           </p:cNvSpPr>
@@ -1954,18 +1700,13 @@
               <a:rPr lang="zh-TW" altLang="en-US"/>
               <a:t>按一下以編輯母片標題樣式</a:t>
             </a:r>
-          </a:p>
-        </p:txBody>
-      </p:sp>
-      <p:sp>
-        <p:nvSpPr>
-          <p:cNvPr id="3" name="日期版面配置區 2">
-            <a:extLst>
-              <a:ext uri="{FF2B5EF4-FFF2-40B4-BE49-F238E27FC236}">
-                <a16:creationId xmlns:a16="http://schemas.microsoft.com/office/drawing/2014/main" id="{00BF5BEE-C162-4D3C-A35D-823613BAAEFB}"/>
-              </a:ext>
-            </a:extLst>
-          </p:cNvPr>
+            <a:endParaRPr lang="zh-TW" altLang="en-US"/>
+          </a:p>
+        </p:txBody>
+      </p:sp>
+      <p:sp>
+        <p:nvSpPr>
+          <p:cNvPr id="3" name="日期版面配置區 2"/>
           <p:cNvSpPr>
             <a:spLocks noGrp="1"/>
           </p:cNvSpPr>
@@ -1980,7 +1721,6 @@
           <a:p>
             <a:fld id="{55B5673A-2C76-400E-AECF-A7C5CD58B306}" type="datetimeFigureOut">
               <a:rPr lang="zh-TW" altLang="en-US" smtClean="0"/>
-              <a:t>2020/10/14</a:t>
             </a:fld>
             <a:endParaRPr lang="zh-TW" altLang="en-US"/>
           </a:p>
@@ -1988,13 +1728,7 @@
       </p:sp>
       <p:sp>
         <p:nvSpPr>
-          <p:cNvPr id="4" name="頁尾版面配置區 3">
-            <a:extLst>
-              <a:ext uri="{FF2B5EF4-FFF2-40B4-BE49-F238E27FC236}">
-                <a16:creationId xmlns:a16="http://schemas.microsoft.com/office/drawing/2014/main" id="{9984AF0B-74F7-453D-9863-C001B974F34D}"/>
-              </a:ext>
-            </a:extLst>
-          </p:cNvPr>
+          <p:cNvPr id="4" name="頁尾版面配置區 3"/>
           <p:cNvSpPr>
             <a:spLocks noGrp="1"/>
           </p:cNvSpPr>
@@ -2013,13 +1747,7 @@
       </p:sp>
       <p:sp>
         <p:nvSpPr>
-          <p:cNvPr id="5" name="投影片編號版面配置區 4">
-            <a:extLst>
-              <a:ext uri="{FF2B5EF4-FFF2-40B4-BE49-F238E27FC236}">
-                <a16:creationId xmlns:a16="http://schemas.microsoft.com/office/drawing/2014/main" id="{007CDBE8-39AD-494D-8D5B-4301CF291811}"/>
-              </a:ext>
-            </a:extLst>
-          </p:cNvPr>
+          <p:cNvPr id="5" name="投影片編號版面配置區 4"/>
           <p:cNvSpPr>
             <a:spLocks noGrp="1"/>
           </p:cNvSpPr>
@@ -2034,18 +1762,12 @@
           <a:p>
             <a:fld id="{6900312B-7472-4F46-9FFE-919720F629D9}" type="slidenum">
               <a:rPr lang="zh-TW" altLang="en-US" smtClean="0"/>
-              <a:t>‹#›</a:t>
             </a:fld>
             <a:endParaRPr lang="zh-TW" altLang="en-US"/>
           </a:p>
         </p:txBody>
       </p:sp>
     </p:spTree>
-    <p:extLst>
-      <p:ext uri="{BB962C8B-B14F-4D97-AF65-F5344CB8AC3E}">
-        <p14:creationId xmlns:p14="http://schemas.microsoft.com/office/powerpoint/2010/main" val="249420434"/>
-      </p:ext>
-    </p:extLst>
   </p:cSld>
   <p:clrMapOvr>
     <a:masterClrMapping/>
@@ -2072,13 +1794,7 @@
       </p:grpSpPr>
       <p:sp>
         <p:nvSpPr>
-          <p:cNvPr id="2" name="日期版面配置區 1">
-            <a:extLst>
-              <a:ext uri="{FF2B5EF4-FFF2-40B4-BE49-F238E27FC236}">
-                <a16:creationId xmlns:a16="http://schemas.microsoft.com/office/drawing/2014/main" id="{3D64711C-63BA-46FC-AAB7-F7A85A090F3C}"/>
-              </a:ext>
-            </a:extLst>
-          </p:cNvPr>
+          <p:cNvPr id="2" name="日期版面配置區 1"/>
           <p:cNvSpPr>
             <a:spLocks noGrp="1"/>
           </p:cNvSpPr>
@@ -2093,7 +1809,6 @@
           <a:p>
             <a:fld id="{55B5673A-2C76-400E-AECF-A7C5CD58B306}" type="datetimeFigureOut">
               <a:rPr lang="zh-TW" altLang="en-US" smtClean="0"/>
-              <a:t>2020/10/14</a:t>
             </a:fld>
             <a:endParaRPr lang="zh-TW" altLang="en-US"/>
           </a:p>
@@ -2101,13 +1816,7 @@
       </p:sp>
       <p:sp>
         <p:nvSpPr>
-          <p:cNvPr id="3" name="頁尾版面配置區 2">
-            <a:extLst>
-              <a:ext uri="{FF2B5EF4-FFF2-40B4-BE49-F238E27FC236}">
-                <a16:creationId xmlns:a16="http://schemas.microsoft.com/office/drawing/2014/main" id="{C646D818-8524-4922-AB7A-9D0D1D743404}"/>
-              </a:ext>
-            </a:extLst>
-          </p:cNvPr>
+          <p:cNvPr id="3" name="頁尾版面配置區 2"/>
           <p:cNvSpPr>
             <a:spLocks noGrp="1"/>
           </p:cNvSpPr>
@@ -2126,13 +1835,7 @@
       </p:sp>
       <p:sp>
         <p:nvSpPr>
-          <p:cNvPr id="4" name="投影片編號版面配置區 3">
-            <a:extLst>
-              <a:ext uri="{FF2B5EF4-FFF2-40B4-BE49-F238E27FC236}">
-                <a16:creationId xmlns:a16="http://schemas.microsoft.com/office/drawing/2014/main" id="{03BC4E6F-2A40-4DBD-AC57-10A51AF5F5BD}"/>
-              </a:ext>
-            </a:extLst>
-          </p:cNvPr>
+          <p:cNvPr id="4" name="投影片編號版面配置區 3"/>
           <p:cNvSpPr>
             <a:spLocks noGrp="1"/>
           </p:cNvSpPr>
@@ -2147,18 +1850,12 @@
           <a:p>
             <a:fld id="{6900312B-7472-4F46-9FFE-919720F629D9}" type="slidenum">
               <a:rPr lang="zh-TW" altLang="en-US" smtClean="0"/>
-              <a:t>‹#›</a:t>
             </a:fld>
             <a:endParaRPr lang="zh-TW" altLang="en-US"/>
           </a:p>
         </p:txBody>
       </p:sp>
     </p:spTree>
-    <p:extLst>
-      <p:ext uri="{BB962C8B-B14F-4D97-AF65-F5344CB8AC3E}">
-        <p14:creationId xmlns:p14="http://schemas.microsoft.com/office/powerpoint/2010/main" val="204987724"/>
-      </p:ext>
-    </p:extLst>
   </p:cSld>
   <p:clrMapOvr>
     <a:masterClrMapping/>
@@ -2185,13 +1882,7 @@
       </p:grpSpPr>
       <p:sp>
         <p:nvSpPr>
-          <p:cNvPr id="2" name="標題 1">
-            <a:extLst>
-              <a:ext uri="{FF2B5EF4-FFF2-40B4-BE49-F238E27FC236}">
-                <a16:creationId xmlns:a16="http://schemas.microsoft.com/office/drawing/2014/main" id="{A55A2769-2C3C-4225-BF76-5043C8D66817}"/>
-              </a:ext>
-            </a:extLst>
-          </p:cNvPr>
+          <p:cNvPr id="2" name="標題 1"/>
           <p:cNvSpPr>
             <a:spLocks noGrp="1"/>
           </p:cNvSpPr>
@@ -2217,18 +1908,13 @@
               <a:rPr lang="zh-TW" altLang="en-US"/>
               <a:t>按一下以編輯母片標題樣式</a:t>
             </a:r>
-          </a:p>
-        </p:txBody>
-      </p:sp>
-      <p:sp>
-        <p:nvSpPr>
-          <p:cNvPr id="3" name="內容版面配置區 2">
-            <a:extLst>
-              <a:ext uri="{FF2B5EF4-FFF2-40B4-BE49-F238E27FC236}">
-                <a16:creationId xmlns:a16="http://schemas.microsoft.com/office/drawing/2014/main" id="{3CAA647A-02EC-46AA-9447-15D326A07EE5}"/>
-              </a:ext>
-            </a:extLst>
-          </p:cNvPr>
+            <a:endParaRPr lang="zh-TW" altLang="en-US"/>
+          </a:p>
+        </p:txBody>
+      </p:sp>
+      <p:sp>
+        <p:nvSpPr>
+          <p:cNvPr id="3" name="內容版面配置區 2"/>
           <p:cNvSpPr>
             <a:spLocks noGrp="1"/>
           </p:cNvSpPr>
@@ -2279,6 +1965,7 @@
               <a:rPr lang="zh-TW" altLang="en-US"/>
               <a:t>按一下以編輯母片文字樣式</a:t>
             </a:r>
+            <a:endParaRPr lang="zh-TW" altLang="en-US"/>
           </a:p>
           <a:p>
             <a:pPr lvl="1"/>
@@ -2286,6 +1973,7 @@
               <a:rPr lang="zh-TW" altLang="en-US"/>
               <a:t>第二層</a:t>
             </a:r>
+            <a:endParaRPr lang="zh-TW" altLang="en-US"/>
           </a:p>
           <a:p>
             <a:pPr lvl="2"/>
@@ -2293,6 +1981,7 @@
               <a:rPr lang="zh-TW" altLang="en-US"/>
               <a:t>第三層</a:t>
             </a:r>
+            <a:endParaRPr lang="zh-TW" altLang="en-US"/>
           </a:p>
           <a:p>
             <a:pPr lvl="3"/>
@@ -2300,6 +1989,7 @@
               <a:rPr lang="zh-TW" altLang="en-US"/>
               <a:t>第四層</a:t>
             </a:r>
+            <a:endParaRPr lang="zh-TW" altLang="en-US"/>
           </a:p>
           <a:p>
             <a:pPr lvl="4"/>
@@ -2307,18 +1997,13 @@
               <a:rPr lang="zh-TW" altLang="en-US"/>
               <a:t>第五層</a:t>
             </a:r>
-          </a:p>
-        </p:txBody>
-      </p:sp>
-      <p:sp>
-        <p:nvSpPr>
-          <p:cNvPr id="4" name="文字版面配置區 3">
-            <a:extLst>
-              <a:ext uri="{FF2B5EF4-FFF2-40B4-BE49-F238E27FC236}">
-                <a16:creationId xmlns:a16="http://schemas.microsoft.com/office/drawing/2014/main" id="{8BD70DDC-CACC-464B-B334-80D2544FCD9A}"/>
-              </a:ext>
-            </a:extLst>
-          </p:cNvPr>
+            <a:endParaRPr lang="zh-TW" altLang="en-US"/>
+          </a:p>
+        </p:txBody>
+      </p:sp>
+      <p:sp>
+        <p:nvSpPr>
+          <p:cNvPr id="4" name="文字版面配置區 3"/>
           <p:cNvSpPr>
             <a:spLocks noGrp="1"/>
           </p:cNvSpPr>
@@ -2378,18 +2063,13 @@
               <a:rPr lang="zh-TW" altLang="en-US"/>
               <a:t>按一下以編輯母片文字樣式</a:t>
             </a:r>
-          </a:p>
-        </p:txBody>
-      </p:sp>
-      <p:sp>
-        <p:nvSpPr>
-          <p:cNvPr id="5" name="日期版面配置區 4">
-            <a:extLst>
-              <a:ext uri="{FF2B5EF4-FFF2-40B4-BE49-F238E27FC236}">
-                <a16:creationId xmlns:a16="http://schemas.microsoft.com/office/drawing/2014/main" id="{B65AE435-4C08-4235-9D0E-FD30F402F8B5}"/>
-              </a:ext>
-            </a:extLst>
-          </p:cNvPr>
+            <a:endParaRPr lang="zh-TW" altLang="en-US"/>
+          </a:p>
+        </p:txBody>
+      </p:sp>
+      <p:sp>
+        <p:nvSpPr>
+          <p:cNvPr id="5" name="日期版面配置區 4"/>
           <p:cNvSpPr>
             <a:spLocks noGrp="1"/>
           </p:cNvSpPr>
@@ -2404,7 +2084,6 @@
           <a:p>
             <a:fld id="{55B5673A-2C76-400E-AECF-A7C5CD58B306}" type="datetimeFigureOut">
               <a:rPr lang="zh-TW" altLang="en-US" smtClean="0"/>
-              <a:t>2020/10/14</a:t>
             </a:fld>
             <a:endParaRPr lang="zh-TW" altLang="en-US"/>
           </a:p>
@@ -2412,13 +2091,7 @@
       </p:sp>
       <p:sp>
         <p:nvSpPr>
-          <p:cNvPr id="6" name="頁尾版面配置區 5">
-            <a:extLst>
-              <a:ext uri="{FF2B5EF4-FFF2-40B4-BE49-F238E27FC236}">
-                <a16:creationId xmlns:a16="http://schemas.microsoft.com/office/drawing/2014/main" id="{AB8F2AA9-E1A3-4A5E-91F9-75EFB6F188C7}"/>
-              </a:ext>
-            </a:extLst>
-          </p:cNvPr>
+          <p:cNvPr id="6" name="頁尾版面配置區 5"/>
           <p:cNvSpPr>
             <a:spLocks noGrp="1"/>
           </p:cNvSpPr>
@@ -2437,13 +2110,7 @@
       </p:sp>
       <p:sp>
         <p:nvSpPr>
-          <p:cNvPr id="7" name="投影片編號版面配置區 6">
-            <a:extLst>
-              <a:ext uri="{FF2B5EF4-FFF2-40B4-BE49-F238E27FC236}">
-                <a16:creationId xmlns:a16="http://schemas.microsoft.com/office/drawing/2014/main" id="{38D94F36-F2D7-405D-8F20-4B67FA0D54C4}"/>
-              </a:ext>
-            </a:extLst>
-          </p:cNvPr>
+          <p:cNvPr id="7" name="投影片編號版面配置區 6"/>
           <p:cNvSpPr>
             <a:spLocks noGrp="1"/>
           </p:cNvSpPr>
@@ -2458,18 +2125,12 @@
           <a:p>
             <a:fld id="{6900312B-7472-4F46-9FFE-919720F629D9}" type="slidenum">
               <a:rPr lang="zh-TW" altLang="en-US" smtClean="0"/>
-              <a:t>‹#›</a:t>
             </a:fld>
             <a:endParaRPr lang="zh-TW" altLang="en-US"/>
           </a:p>
         </p:txBody>
       </p:sp>
     </p:spTree>
-    <p:extLst>
-      <p:ext uri="{BB962C8B-B14F-4D97-AF65-F5344CB8AC3E}">
-        <p14:creationId xmlns:p14="http://schemas.microsoft.com/office/powerpoint/2010/main" val="1928723488"/>
-      </p:ext>
-    </p:extLst>
   </p:cSld>
   <p:clrMapOvr>
     <a:masterClrMapping/>
@@ -2496,13 +2157,7 @@
       </p:grpSpPr>
       <p:sp>
         <p:nvSpPr>
-          <p:cNvPr id="2" name="標題 1">
-            <a:extLst>
-              <a:ext uri="{FF2B5EF4-FFF2-40B4-BE49-F238E27FC236}">
-                <a16:creationId xmlns:a16="http://schemas.microsoft.com/office/drawing/2014/main" id="{3FEA9DA7-6014-4333-947D-3390BEFB1785}"/>
-              </a:ext>
-            </a:extLst>
-          </p:cNvPr>
+          <p:cNvPr id="2" name="標題 1"/>
           <p:cNvSpPr>
             <a:spLocks noGrp="1"/>
           </p:cNvSpPr>
@@ -2528,18 +2183,13 @@
               <a:rPr lang="zh-TW" altLang="en-US"/>
               <a:t>按一下以編輯母片標題樣式</a:t>
             </a:r>
-          </a:p>
-        </p:txBody>
-      </p:sp>
-      <p:sp>
-        <p:nvSpPr>
-          <p:cNvPr id="3" name="圖片版面配置區 2">
-            <a:extLst>
-              <a:ext uri="{FF2B5EF4-FFF2-40B4-BE49-F238E27FC236}">
-                <a16:creationId xmlns:a16="http://schemas.microsoft.com/office/drawing/2014/main" id="{0A1A0236-AABE-44F0-A7D8-7581D36BA3C1}"/>
-              </a:ext>
-            </a:extLst>
-          </p:cNvPr>
+            <a:endParaRPr lang="zh-TW" altLang="en-US"/>
+          </a:p>
+        </p:txBody>
+      </p:sp>
+      <p:sp>
+        <p:nvSpPr>
+          <p:cNvPr id="3" name="圖片版面配置區 2"/>
           <p:cNvSpPr>
             <a:spLocks noGrp="1"/>
           </p:cNvSpPr>
@@ -2600,13 +2250,7 @@
       </p:sp>
       <p:sp>
         <p:nvSpPr>
-          <p:cNvPr id="4" name="文字版面配置區 3">
-            <a:extLst>
-              <a:ext uri="{FF2B5EF4-FFF2-40B4-BE49-F238E27FC236}">
-                <a16:creationId xmlns:a16="http://schemas.microsoft.com/office/drawing/2014/main" id="{57B864CF-DD74-46ED-A837-60E77B204805}"/>
-              </a:ext>
-            </a:extLst>
-          </p:cNvPr>
+          <p:cNvPr id="4" name="文字版面配置區 3"/>
           <p:cNvSpPr>
             <a:spLocks noGrp="1"/>
           </p:cNvSpPr>
@@ -2666,18 +2310,13 @@
               <a:rPr lang="zh-TW" altLang="en-US"/>
               <a:t>按一下以編輯母片文字樣式</a:t>
             </a:r>
-          </a:p>
-        </p:txBody>
-      </p:sp>
-      <p:sp>
-        <p:nvSpPr>
-          <p:cNvPr id="5" name="日期版面配置區 4">
-            <a:extLst>
-              <a:ext uri="{FF2B5EF4-FFF2-40B4-BE49-F238E27FC236}">
-                <a16:creationId xmlns:a16="http://schemas.microsoft.com/office/drawing/2014/main" id="{EAD9D3CD-FC98-46B4-BB20-9259B222F891}"/>
-              </a:ext>
-            </a:extLst>
-          </p:cNvPr>
+            <a:endParaRPr lang="zh-TW" altLang="en-US"/>
+          </a:p>
+        </p:txBody>
+      </p:sp>
+      <p:sp>
+        <p:nvSpPr>
+          <p:cNvPr id="5" name="日期版面配置區 4"/>
           <p:cNvSpPr>
             <a:spLocks noGrp="1"/>
           </p:cNvSpPr>
@@ -2692,7 +2331,6 @@
           <a:p>
             <a:fld id="{55B5673A-2C76-400E-AECF-A7C5CD58B306}" type="datetimeFigureOut">
               <a:rPr lang="zh-TW" altLang="en-US" smtClean="0"/>
-              <a:t>2020/10/14</a:t>
             </a:fld>
             <a:endParaRPr lang="zh-TW" altLang="en-US"/>
           </a:p>
@@ -2700,13 +2338,7 @@
       </p:sp>
       <p:sp>
         <p:nvSpPr>
-          <p:cNvPr id="6" name="頁尾版面配置區 5">
-            <a:extLst>
-              <a:ext uri="{FF2B5EF4-FFF2-40B4-BE49-F238E27FC236}">
-                <a16:creationId xmlns:a16="http://schemas.microsoft.com/office/drawing/2014/main" id="{4AFC5363-A398-426E-8C0A-D4DACD53B8A7}"/>
-              </a:ext>
-            </a:extLst>
-          </p:cNvPr>
+          <p:cNvPr id="6" name="頁尾版面配置區 5"/>
           <p:cNvSpPr>
             <a:spLocks noGrp="1"/>
           </p:cNvSpPr>
@@ -2725,13 +2357,7 @@
       </p:sp>
       <p:sp>
         <p:nvSpPr>
-          <p:cNvPr id="7" name="投影片編號版面配置區 6">
-            <a:extLst>
-              <a:ext uri="{FF2B5EF4-FFF2-40B4-BE49-F238E27FC236}">
-                <a16:creationId xmlns:a16="http://schemas.microsoft.com/office/drawing/2014/main" id="{28A92E03-4354-46D7-9DA2-5B753886466B}"/>
-              </a:ext>
-            </a:extLst>
-          </p:cNvPr>
+          <p:cNvPr id="7" name="投影片編號版面配置區 6"/>
           <p:cNvSpPr>
             <a:spLocks noGrp="1"/>
           </p:cNvSpPr>
@@ -2746,18 +2372,12 @@
           <a:p>
             <a:fld id="{6900312B-7472-4F46-9FFE-919720F629D9}" type="slidenum">
               <a:rPr lang="zh-TW" altLang="en-US" smtClean="0"/>
-              <a:t>‹#›</a:t>
             </a:fld>
             <a:endParaRPr lang="zh-TW" altLang="en-US"/>
           </a:p>
         </p:txBody>
       </p:sp>
     </p:spTree>
-    <p:extLst>
-      <p:ext uri="{BB962C8B-B14F-4D97-AF65-F5344CB8AC3E}">
-        <p14:creationId xmlns:p14="http://schemas.microsoft.com/office/powerpoint/2010/main" val="2158453603"/>
-      </p:ext>
-    </p:extLst>
   </p:cSld>
   <p:clrMapOvr>
     <a:masterClrMapping/>
@@ -2792,13 +2412,7 @@
       </p:grpSpPr>
       <p:sp>
         <p:nvSpPr>
-          <p:cNvPr id="2" name="標題版面配置區 1">
-            <a:extLst>
-              <a:ext uri="{FF2B5EF4-FFF2-40B4-BE49-F238E27FC236}">
-                <a16:creationId xmlns:a16="http://schemas.microsoft.com/office/drawing/2014/main" id="{15D35B9C-EB13-4C80-BA15-E74C37588E1B}"/>
-              </a:ext>
-            </a:extLst>
-          </p:cNvPr>
+          <p:cNvPr id="2" name="標題版面配置區 1"/>
           <p:cNvSpPr>
             <a:spLocks noGrp="1"/>
           </p:cNvSpPr>
@@ -2825,18 +2439,13 @@
               <a:rPr lang="zh-TW" altLang="en-US"/>
               <a:t>按一下以編輯母片標題樣式</a:t>
             </a:r>
-          </a:p>
-        </p:txBody>
-      </p:sp>
-      <p:sp>
-        <p:nvSpPr>
-          <p:cNvPr id="3" name="文字版面配置區 2">
-            <a:extLst>
-              <a:ext uri="{FF2B5EF4-FFF2-40B4-BE49-F238E27FC236}">
-                <a16:creationId xmlns:a16="http://schemas.microsoft.com/office/drawing/2014/main" id="{E82F201D-6970-458B-AB80-517C9F8DB0E1}"/>
-              </a:ext>
-            </a:extLst>
-          </p:cNvPr>
+            <a:endParaRPr lang="zh-TW" altLang="en-US"/>
+          </a:p>
+        </p:txBody>
+      </p:sp>
+      <p:sp>
+        <p:nvSpPr>
+          <p:cNvPr id="3" name="文字版面配置區 2"/>
           <p:cNvSpPr>
             <a:spLocks noGrp="1"/>
           </p:cNvSpPr>
@@ -2864,6 +2473,7 @@
               <a:rPr lang="zh-TW" altLang="en-US"/>
               <a:t>按一下以編輯母片文字樣式</a:t>
             </a:r>
+            <a:endParaRPr lang="zh-TW" altLang="en-US"/>
           </a:p>
           <a:p>
             <a:pPr lvl="1"/>
@@ -2871,6 +2481,7 @@
               <a:rPr lang="zh-TW" altLang="en-US"/>
               <a:t>第二層</a:t>
             </a:r>
+            <a:endParaRPr lang="zh-TW" altLang="en-US"/>
           </a:p>
           <a:p>
             <a:pPr lvl="2"/>
@@ -2878,6 +2489,7 @@
               <a:rPr lang="zh-TW" altLang="en-US"/>
               <a:t>第三層</a:t>
             </a:r>
+            <a:endParaRPr lang="zh-TW" altLang="en-US"/>
           </a:p>
           <a:p>
             <a:pPr lvl="3"/>
@@ -2885,6 +2497,7 @@
               <a:rPr lang="zh-TW" altLang="en-US"/>
               <a:t>第四層</a:t>
             </a:r>
+            <a:endParaRPr lang="zh-TW" altLang="en-US"/>
           </a:p>
           <a:p>
             <a:pPr lvl="4"/>
@@ -2892,18 +2505,13 @@
               <a:rPr lang="zh-TW" altLang="en-US"/>
               <a:t>第五層</a:t>
             </a:r>
-          </a:p>
-        </p:txBody>
-      </p:sp>
-      <p:sp>
-        <p:nvSpPr>
-          <p:cNvPr id="4" name="日期版面配置區 3">
-            <a:extLst>
-              <a:ext uri="{FF2B5EF4-FFF2-40B4-BE49-F238E27FC236}">
-                <a16:creationId xmlns:a16="http://schemas.microsoft.com/office/drawing/2014/main" id="{BA704AD9-294F-493A-99F2-8E894CF3A249}"/>
-              </a:ext>
-            </a:extLst>
-          </p:cNvPr>
+            <a:endParaRPr lang="zh-TW" altLang="en-US"/>
+          </a:p>
+        </p:txBody>
+      </p:sp>
+      <p:sp>
+        <p:nvSpPr>
+          <p:cNvPr id="4" name="日期版面配置區 3"/>
           <p:cNvSpPr>
             <a:spLocks noGrp="1"/>
           </p:cNvSpPr>
@@ -2936,7 +2544,6 @@
           <a:p>
             <a:fld id="{55B5673A-2C76-400E-AECF-A7C5CD58B306}" type="datetimeFigureOut">
               <a:rPr lang="zh-TW" altLang="en-US" smtClean="0"/>
-              <a:t>2020/10/14</a:t>
             </a:fld>
             <a:endParaRPr lang="zh-TW" altLang="en-US"/>
           </a:p>
@@ -2944,13 +2551,7 @@
       </p:sp>
       <p:sp>
         <p:nvSpPr>
-          <p:cNvPr id="5" name="頁尾版面配置區 4">
-            <a:extLst>
-              <a:ext uri="{FF2B5EF4-FFF2-40B4-BE49-F238E27FC236}">
-                <a16:creationId xmlns:a16="http://schemas.microsoft.com/office/drawing/2014/main" id="{B3F3DC46-D6E9-44B1-BE88-97FD6310DB82}"/>
-              </a:ext>
-            </a:extLst>
-          </p:cNvPr>
+          <p:cNvPr id="5" name="頁尾版面配置區 4"/>
           <p:cNvSpPr>
             <a:spLocks noGrp="1"/>
           </p:cNvSpPr>
@@ -2987,13 +2588,7 @@
       </p:sp>
       <p:sp>
         <p:nvSpPr>
-          <p:cNvPr id="6" name="投影片編號版面配置區 5">
-            <a:extLst>
-              <a:ext uri="{FF2B5EF4-FFF2-40B4-BE49-F238E27FC236}">
-                <a16:creationId xmlns:a16="http://schemas.microsoft.com/office/drawing/2014/main" id="{1E73F3D9-39EA-4F01-AF17-70C7432C0EA0}"/>
-              </a:ext>
-            </a:extLst>
-          </p:cNvPr>
+          <p:cNvPr id="6" name="投影片編號版面配置區 5"/>
           <p:cNvSpPr>
             <a:spLocks noGrp="1"/>
           </p:cNvSpPr>
@@ -3026,18 +2621,12 @@
           <a:p>
             <a:fld id="{6900312B-7472-4F46-9FFE-919720F629D9}" type="slidenum">
               <a:rPr lang="zh-TW" altLang="en-US" smtClean="0"/>
-              <a:t>‹#›</a:t>
             </a:fld>
             <a:endParaRPr lang="zh-TW" altLang="en-US"/>
           </a:p>
         </p:txBody>
       </p:sp>
     </p:spTree>
-    <p:extLst>
-      <p:ext uri="{BB962C8B-B14F-4D97-AF65-F5344CB8AC3E}">
-        <p14:creationId xmlns:p14="http://schemas.microsoft.com/office/powerpoint/2010/main" val="2421616217"/>
-      </p:ext>
-    </p:extLst>
   </p:cSld>
   <p:clrMap bg1="lt1" tx1="dk1" bg2="lt2" tx2="dk2" accent1="accent1" accent2="accent2" accent3="accent3" accent4="accent4" accent5="accent5" accent6="accent6" hlink="hlink" folHlink="folHlink"/>
   <p:sldLayoutIdLst>
@@ -3081,7 +2670,7 @@
         <a:spcBef>
           <a:spcPts val="1000"/>
         </a:spcBef>
-        <a:buFont typeface="Arial" panose="020B0604020202020204" pitchFamily="34" charset="0"/>
+        <a:buFont typeface="Arial" panose="020B0604020202090204" pitchFamily="34" charset="0"/>
         <a:buChar char="•"/>
         <a:defRPr sz="2800" kern="1200">
           <a:solidFill>
@@ -3099,7 +2688,7 @@
         <a:spcBef>
           <a:spcPts val="500"/>
         </a:spcBef>
-        <a:buFont typeface="Arial" panose="020B0604020202020204" pitchFamily="34" charset="0"/>
+        <a:buFont typeface="Arial" panose="020B0604020202090204" pitchFamily="34" charset="0"/>
         <a:buChar char="•"/>
         <a:defRPr sz="2400" kern="1200">
           <a:solidFill>
@@ -3117,7 +2706,7 @@
         <a:spcBef>
           <a:spcPts val="500"/>
         </a:spcBef>
-        <a:buFont typeface="Arial" panose="020B0604020202020204" pitchFamily="34" charset="0"/>
+        <a:buFont typeface="Arial" panose="020B0604020202090204" pitchFamily="34" charset="0"/>
         <a:buChar char="•"/>
         <a:defRPr sz="2000" kern="1200">
           <a:solidFill>
@@ -3135,7 +2724,7 @@
         <a:spcBef>
           <a:spcPts val="500"/>
         </a:spcBef>
-        <a:buFont typeface="Arial" panose="020B0604020202020204" pitchFamily="34" charset="0"/>
+        <a:buFont typeface="Arial" panose="020B0604020202090204" pitchFamily="34" charset="0"/>
         <a:buChar char="•"/>
         <a:defRPr sz="1800" kern="1200">
           <a:solidFill>
@@ -3153,7 +2742,7 @@
         <a:spcBef>
           <a:spcPts val="500"/>
         </a:spcBef>
-        <a:buFont typeface="Arial" panose="020B0604020202020204" pitchFamily="34" charset="0"/>
+        <a:buFont typeface="Arial" panose="020B0604020202090204" pitchFamily="34" charset="0"/>
         <a:buChar char="•"/>
         <a:defRPr sz="1800" kern="1200">
           <a:solidFill>
@@ -3171,7 +2760,7 @@
         <a:spcBef>
           <a:spcPts val="500"/>
         </a:spcBef>
-        <a:buFont typeface="Arial" panose="020B0604020202020204" pitchFamily="34" charset="0"/>
+        <a:buFont typeface="Arial" panose="020B0604020202090204" pitchFamily="34" charset="0"/>
         <a:buChar char="•"/>
         <a:defRPr sz="1800" kern="1200">
           <a:solidFill>
@@ -3189,7 +2778,7 @@
         <a:spcBef>
           <a:spcPts val="500"/>
         </a:spcBef>
-        <a:buFont typeface="Arial" panose="020B0604020202020204" pitchFamily="34" charset="0"/>
+        <a:buFont typeface="Arial" panose="020B0604020202090204" pitchFamily="34" charset="0"/>
         <a:buChar char="•"/>
         <a:defRPr sz="1800" kern="1200">
           <a:solidFill>
@@ -3207,7 +2796,7 @@
         <a:spcBef>
           <a:spcPts val="500"/>
         </a:spcBef>
-        <a:buFont typeface="Arial" panose="020B0604020202020204" pitchFamily="34" charset="0"/>
+        <a:buFont typeface="Arial" panose="020B0604020202090204" pitchFamily="34" charset="0"/>
         <a:buChar char="•"/>
         <a:defRPr sz="1800" kern="1200">
           <a:solidFill>
@@ -3225,7 +2814,7 @@
         <a:spcBef>
           <a:spcPts val="500"/>
         </a:spcBef>
-        <a:buFont typeface="Arial" panose="020B0604020202020204" pitchFamily="34" charset="0"/>
+        <a:buFont typeface="Arial" panose="020B0604020202090204" pitchFamily="34" charset="0"/>
         <a:buChar char="•"/>
         <a:defRPr sz="1800" kern="1200">
           <a:solidFill>
@@ -3355,13 +2944,7 @@
       </p:grpSpPr>
       <p:sp>
         <p:nvSpPr>
-          <p:cNvPr id="4" name="文字方塊 3">
-            <a:extLst>
-              <a:ext uri="{FF2B5EF4-FFF2-40B4-BE49-F238E27FC236}">
-                <a16:creationId xmlns:a16="http://schemas.microsoft.com/office/drawing/2014/main" id="{77C856E2-9AC1-461B-AF6B-B646023D5D1D}"/>
-              </a:ext>
-            </a:extLst>
-          </p:cNvPr>
+          <p:cNvPr id="4" name="文字方塊 3"/>
           <p:cNvSpPr txBox="1"/>
           <p:nvPr/>
         </p:nvSpPr>
@@ -3403,25 +2986,27 @@
               </a:rPr>
               <a:t>基礎入門篇</a:t>
             </a:r>
+            <a:endParaRPr lang="zh-TW" altLang="en-US" sz="6600" b="1" i="0" u="none" strike="noStrike" dirty="0">
+              <a:solidFill>
+                <a:schemeClr val="bg1"/>
+              </a:solidFill>
+              <a:effectLst/>
+              <a:latin typeface="微軟正黑體" panose="020B0604030504040204" pitchFamily="34" charset="-120"/>
+              <a:ea typeface="微軟正黑體" panose="020B0604030504040204" pitchFamily="34" charset="-120"/>
+            </a:endParaRPr>
           </a:p>
         </p:txBody>
       </p:sp>
       <p:pic>
         <p:nvPicPr>
-          <p:cNvPr id="8" name="圖片 7">
-            <a:extLst>
-              <a:ext uri="{FF2B5EF4-FFF2-40B4-BE49-F238E27FC236}">
-                <a16:creationId xmlns:a16="http://schemas.microsoft.com/office/drawing/2014/main" id="{BF8BC940-76F8-4D13-A443-D427DE9F89AF}"/>
-              </a:ext>
-            </a:extLst>
-          </p:cNvPr>
+          <p:cNvPr id="8" name="圖片 7"/>
           <p:cNvPicPr>
             <a:picLocks noChangeAspect="1"/>
           </p:cNvPicPr>
           <p:nvPr/>
         </p:nvPicPr>
         <p:blipFill>
-          <a:blip r:embed="rId2">
+          <a:blip r:embed="rId1">
             <a:extLst>
               <a:ext uri="{28A0092B-C50C-407E-A947-70E740481C1C}">
                 <a14:useLocalDpi xmlns:a14="http://schemas.microsoft.com/office/drawing/2010/main" val="0"/>
@@ -3444,13 +3029,7 @@
       </p:pic>
       <p:sp>
         <p:nvSpPr>
-          <p:cNvPr id="10" name="文字方塊 9">
-            <a:extLst>
-              <a:ext uri="{FF2B5EF4-FFF2-40B4-BE49-F238E27FC236}">
-                <a16:creationId xmlns:a16="http://schemas.microsoft.com/office/drawing/2014/main" id="{6289B5C9-ABD9-4D66-BFAD-EFE71E0FE641}"/>
-              </a:ext>
-            </a:extLst>
-          </p:cNvPr>
+          <p:cNvPr id="10" name="文字方塊 9"/>
           <p:cNvSpPr txBox="1"/>
           <p:nvPr/>
         </p:nvSpPr>
@@ -3482,15 +3061,18 @@
               </a:rPr>
               <a:t>重點項目</a:t>
             </a:r>
+            <a:endParaRPr lang="zh-TW" altLang="en-US" sz="2400" b="1" i="0" u="none" strike="noStrike" dirty="0">
+              <a:solidFill>
+                <a:srgbClr val="35495E"/>
+              </a:solidFill>
+              <a:effectLst/>
+              <a:latin typeface="微軟正黑體" panose="020B0604030504040204" pitchFamily="34" charset="-120"/>
+              <a:ea typeface="微軟正黑體" panose="020B0604030504040204" pitchFamily="34" charset="-120"/>
+            </a:endParaRPr>
           </a:p>
         </p:txBody>
       </p:sp>
     </p:spTree>
-    <p:extLst>
-      <p:ext uri="{BB962C8B-B14F-4D97-AF65-F5344CB8AC3E}">
-        <p14:creationId xmlns:p14="http://schemas.microsoft.com/office/powerpoint/2010/main" val="79876500"/>
-      </p:ext>
-    </p:extLst>
   </p:cSld>
   <p:clrMapOvr>
     <a:masterClrMapping/>
@@ -3517,20 +3099,14 @@
       </p:grpSpPr>
       <p:pic>
         <p:nvPicPr>
-          <p:cNvPr id="7" name="圖片 6">
-            <a:extLst>
-              <a:ext uri="{FF2B5EF4-FFF2-40B4-BE49-F238E27FC236}">
-                <a16:creationId xmlns:a16="http://schemas.microsoft.com/office/drawing/2014/main" id="{CE78DA95-712C-4356-9A27-EDF9AB5F9568}"/>
-              </a:ext>
-            </a:extLst>
-          </p:cNvPr>
+          <p:cNvPr id="7" name="圖片 6"/>
           <p:cNvPicPr>
             <a:picLocks noChangeAspect="1"/>
           </p:cNvPicPr>
           <p:nvPr/>
         </p:nvPicPr>
         <p:blipFill>
-          <a:blip r:embed="rId2">
+          <a:blip r:embed="rId1">
             <a:extLst>
               <a:ext uri="{28A0092B-C50C-407E-A947-70E740481C1C}">
                 <a14:useLocalDpi xmlns:a14="http://schemas.microsoft.com/office/drawing/2010/main" val="0"/>
@@ -3552,11 +3128,6 @@
         </p:spPr>
       </p:pic>
     </p:spTree>
-    <p:extLst>
-      <p:ext uri="{BB962C8B-B14F-4D97-AF65-F5344CB8AC3E}">
-        <p14:creationId xmlns:p14="http://schemas.microsoft.com/office/powerpoint/2010/main" val="295151647"/>
-      </p:ext>
-    </p:extLst>
   </p:cSld>
   <p:clrMapOvr>
     <a:masterClrMapping/>
@@ -3583,13 +3154,7 @@
       </p:grpSpPr>
       <p:sp>
         <p:nvSpPr>
-          <p:cNvPr id="6" name="文字方塊 5">
-            <a:extLst>
-              <a:ext uri="{FF2B5EF4-FFF2-40B4-BE49-F238E27FC236}">
-                <a16:creationId xmlns:a16="http://schemas.microsoft.com/office/drawing/2014/main" id="{562453F1-AE5E-44FB-B0F9-209DAF7659DA}"/>
-              </a:ext>
-            </a:extLst>
-          </p:cNvPr>
+          <p:cNvPr id="6" name="文字方塊 5"/>
           <p:cNvSpPr txBox="1"/>
           <p:nvPr/>
         </p:nvSpPr>
@@ -3613,7 +3178,7 @@
               <a:lnSpc>
                 <a:spcPct val="150000"/>
               </a:lnSpc>
-              <a:buFont typeface="Arial" panose="020B0604020202020204" pitchFamily="34" charset="0"/>
+              <a:buFont typeface="Arial" panose="020B0604020202090204" pitchFamily="34" charset="0"/>
               <a:buChar char="•"/>
             </a:pPr>
             <a:r>
@@ -3675,459 +3240,6 @@
                 <a:ea typeface="微軟正黑體 Light" panose="020B0304030504040204" pitchFamily="34" charset="-120"/>
               </a:rPr>
               <a:t>渲染前執行 </a:t>
-            </a:r>
-          </a:p>
-          <a:p>
-            <a:pPr marL="342900" indent="-342900">
-              <a:lnSpc>
-                <a:spcPct val="150000"/>
-              </a:lnSpc>
-              <a:buFont typeface="Arial" panose="020B0604020202020204" pitchFamily="34" charset="0"/>
-              <a:buChar char="•"/>
-            </a:pPr>
-            <a:r>
-              <a:rPr lang="zh-TW" altLang="en-US" sz="2000" b="1" u="sng" dirty="0">
-                <a:solidFill>
-                  <a:schemeClr val="bg1"/>
-                </a:solidFill>
-                <a:latin typeface="微軟正黑體 Light" panose="020B0304030504040204" pitchFamily="34" charset="-120"/>
-                <a:ea typeface="微軟正黑體 Light" panose="020B0304030504040204" pitchFamily="34" charset="-120"/>
-              </a:rPr>
-              <a:t>onMounted</a:t>
-            </a:r>
-            <a:r>
-              <a:rPr lang="zh-TW" altLang="en-US" sz="2000" b="1" dirty="0">
-                <a:solidFill>
-                  <a:schemeClr val="bg1"/>
-                </a:solidFill>
-                <a:latin typeface="微軟正黑體 Light" panose="020B0304030504040204" pitchFamily="34" charset="-120"/>
-                <a:ea typeface="微軟正黑體 Light" panose="020B0304030504040204" pitchFamily="34" charset="-120"/>
-              </a:rPr>
-              <a:t>  </a:t>
-            </a:r>
-            <a:r>
-              <a:rPr lang="en-US" altLang="zh-TW" sz="2000" b="1" dirty="0">
-                <a:solidFill>
-                  <a:schemeClr val="bg1"/>
-                </a:solidFill>
-                <a:latin typeface="微軟正黑體 Light" panose="020B0304030504040204" pitchFamily="34" charset="-120"/>
-                <a:ea typeface="微軟正黑體 Light" panose="020B0304030504040204" pitchFamily="34" charset="-120"/>
-              </a:rPr>
-              <a:t>=&gt;</a:t>
-            </a:r>
-            <a:r>
-              <a:rPr lang="zh-TW" altLang="en-US" sz="2000" b="1" dirty="0">
-                <a:solidFill>
-                  <a:schemeClr val="bg1"/>
-                </a:solidFill>
-                <a:latin typeface="微軟正黑體 Light" panose="020B0304030504040204" pitchFamily="34" charset="-120"/>
-                <a:ea typeface="微軟正黑體 Light" panose="020B0304030504040204" pitchFamily="34" charset="-120"/>
-              </a:rPr>
-              <a:t> </a:t>
-            </a:r>
-            <a:r>
-              <a:rPr lang="en-US" altLang="zh-TW" sz="2000" b="1" dirty="0">
-                <a:solidFill>
-                  <a:schemeClr val="bg1"/>
-                </a:solidFill>
-                <a:latin typeface="微軟正黑體 Light" panose="020B0304030504040204" pitchFamily="34" charset="-120"/>
-                <a:ea typeface="微軟正黑體 Light" panose="020B0304030504040204" pitchFamily="34" charset="-120"/>
-              </a:rPr>
-              <a:t>DOM </a:t>
-            </a:r>
-            <a:r>
-              <a:rPr lang="zh-TW" altLang="en-US" sz="2000" b="1" dirty="0">
-                <a:solidFill>
-                  <a:schemeClr val="bg1"/>
-                </a:solidFill>
-                <a:latin typeface="微軟正黑體 Light" panose="020B0304030504040204" pitchFamily="34" charset="-120"/>
-                <a:ea typeface="微軟正黑體 Light" panose="020B0304030504040204" pitchFamily="34" charset="-120"/>
-              </a:rPr>
-              <a:t>渲染完成後執行 </a:t>
-            </a:r>
-          </a:p>
-          <a:p>
-            <a:pPr marL="342900" indent="-342900">
-              <a:lnSpc>
-                <a:spcPct val="150000"/>
-              </a:lnSpc>
-              <a:buFont typeface="Arial" panose="020B0604020202020204" pitchFamily="34" charset="0"/>
-              <a:buChar char="•"/>
-            </a:pPr>
-            <a:r>
-              <a:rPr lang="zh-TW" altLang="en-US" sz="2000" b="1" u="sng" dirty="0">
-                <a:solidFill>
-                  <a:schemeClr val="bg1"/>
-                </a:solidFill>
-                <a:latin typeface="微軟正黑體 Light" panose="020B0304030504040204" pitchFamily="34" charset="-120"/>
-                <a:ea typeface="微軟正黑體 Light" panose="020B0304030504040204" pitchFamily="34" charset="-120"/>
-              </a:rPr>
-              <a:t>onBeforeUpdate</a:t>
-            </a:r>
-            <a:r>
-              <a:rPr lang="zh-TW" altLang="en-US" sz="2000" b="1" dirty="0">
-                <a:solidFill>
-                  <a:schemeClr val="bg1"/>
-                </a:solidFill>
-                <a:latin typeface="微軟正黑體 Light" panose="020B0304030504040204" pitchFamily="34" charset="-120"/>
-                <a:ea typeface="微軟正黑體 Light" panose="020B0304030504040204" pitchFamily="34" charset="-120"/>
-              </a:rPr>
-              <a:t>  </a:t>
-            </a:r>
-            <a:r>
-              <a:rPr lang="en-US" altLang="zh-TW" sz="2000" b="1" dirty="0">
-                <a:solidFill>
-                  <a:schemeClr val="bg1"/>
-                </a:solidFill>
-                <a:latin typeface="微軟正黑體 Light" panose="020B0304030504040204" pitchFamily="34" charset="-120"/>
-                <a:ea typeface="微軟正黑體 Light" panose="020B0304030504040204" pitchFamily="34" charset="-120"/>
-              </a:rPr>
-              <a:t>=&gt;</a:t>
-            </a:r>
-            <a:r>
-              <a:rPr lang="zh-TW" altLang="en-US" sz="2000" b="1" dirty="0">
-                <a:solidFill>
-                  <a:schemeClr val="bg1"/>
-                </a:solidFill>
-                <a:latin typeface="微軟正黑體 Light" panose="020B0304030504040204" pitchFamily="34" charset="-120"/>
-                <a:ea typeface="微軟正黑體 Light" panose="020B0304030504040204" pitchFamily="34" charset="-120"/>
-              </a:rPr>
-              <a:t> 資料更新</a:t>
-            </a:r>
-            <a:r>
-              <a:rPr lang="en-US" altLang="zh-TW" sz="2000" b="1" dirty="0">
-                <a:solidFill>
-                  <a:schemeClr val="bg1"/>
-                </a:solidFill>
-                <a:latin typeface="微軟正黑體 Light" panose="020B0304030504040204" pitchFamily="34" charset="-120"/>
-                <a:ea typeface="微軟正黑體 Light" panose="020B0304030504040204" pitchFamily="34" charset="-120"/>
-              </a:rPr>
-              <a:t>DOM</a:t>
-            </a:r>
-            <a:r>
-              <a:rPr lang="zh-TW" altLang="en-US" sz="2000" b="1" dirty="0">
-                <a:solidFill>
-                  <a:schemeClr val="bg1"/>
-                </a:solidFill>
-                <a:latin typeface="微軟正黑體 Light" panose="020B0304030504040204" pitchFamily="34" charset="-120"/>
-                <a:ea typeface="微軟正黑體 Light" panose="020B0304030504040204" pitchFamily="34" charset="-120"/>
-              </a:rPr>
-              <a:t>更改前執行</a:t>
-            </a:r>
-          </a:p>
-          <a:p>
-            <a:pPr marL="342900" indent="-342900">
-              <a:lnSpc>
-                <a:spcPct val="150000"/>
-              </a:lnSpc>
-              <a:buFont typeface="Arial" panose="020B0604020202020204" pitchFamily="34" charset="0"/>
-              <a:buChar char="•"/>
-            </a:pPr>
-            <a:r>
-              <a:rPr lang="zh-TW" altLang="en-US" sz="2000" b="1" u="sng" dirty="0">
-                <a:solidFill>
-                  <a:schemeClr val="bg1"/>
-                </a:solidFill>
-                <a:latin typeface="微軟正黑體 Light" panose="020B0304030504040204" pitchFamily="34" charset="-120"/>
-                <a:ea typeface="微軟正黑體 Light" panose="020B0304030504040204" pitchFamily="34" charset="-120"/>
-              </a:rPr>
-              <a:t>onUpdated</a:t>
-            </a:r>
-            <a:r>
-              <a:rPr lang="zh-TW" altLang="en-US" sz="2000" b="1" dirty="0">
-                <a:solidFill>
-                  <a:schemeClr val="bg1"/>
-                </a:solidFill>
-                <a:latin typeface="微軟正黑體 Light" panose="020B0304030504040204" pitchFamily="34" charset="-120"/>
-                <a:ea typeface="微軟正黑體 Light" panose="020B0304030504040204" pitchFamily="34" charset="-120"/>
-              </a:rPr>
-              <a:t> </a:t>
-            </a:r>
-            <a:r>
-              <a:rPr lang="en-US" altLang="zh-TW" sz="2000" b="1" dirty="0">
-                <a:solidFill>
-                  <a:schemeClr val="bg1"/>
-                </a:solidFill>
-                <a:latin typeface="微軟正黑體 Light" panose="020B0304030504040204" pitchFamily="34" charset="-120"/>
-                <a:ea typeface="微軟正黑體 Light" panose="020B0304030504040204" pitchFamily="34" charset="-120"/>
-              </a:rPr>
-              <a:t>=&gt;</a:t>
-            </a:r>
-            <a:r>
-              <a:rPr lang="zh-TW" altLang="en-US" sz="2000" b="1" dirty="0">
-                <a:solidFill>
-                  <a:schemeClr val="bg1"/>
-                </a:solidFill>
-                <a:latin typeface="微軟正黑體 Light" panose="020B0304030504040204" pitchFamily="34" charset="-120"/>
-                <a:ea typeface="微軟正黑體 Light" panose="020B0304030504040204" pitchFamily="34" charset="-120"/>
-              </a:rPr>
-              <a:t> 資料更新</a:t>
-            </a:r>
-            <a:r>
-              <a:rPr lang="en-US" altLang="zh-TW" sz="2000" b="1" dirty="0">
-                <a:solidFill>
-                  <a:schemeClr val="bg1"/>
-                </a:solidFill>
-                <a:latin typeface="微軟正黑體 Light" panose="020B0304030504040204" pitchFamily="34" charset="-120"/>
-                <a:ea typeface="微軟正黑體 Light" panose="020B0304030504040204" pitchFamily="34" charset="-120"/>
-              </a:rPr>
-              <a:t>DOM</a:t>
-            </a:r>
-            <a:r>
-              <a:rPr lang="zh-TW" altLang="en-US" sz="2000" b="1" dirty="0">
-                <a:solidFill>
-                  <a:schemeClr val="bg1"/>
-                </a:solidFill>
-                <a:latin typeface="微軟正黑體 Light" panose="020B0304030504040204" pitchFamily="34" charset="-120"/>
-                <a:ea typeface="微軟正黑體 Light" panose="020B0304030504040204" pitchFamily="34" charset="-120"/>
-              </a:rPr>
-              <a:t>更改後執行</a:t>
-            </a:r>
-          </a:p>
-          <a:p>
-            <a:pPr marL="342900" indent="-342900">
-              <a:lnSpc>
-                <a:spcPct val="150000"/>
-              </a:lnSpc>
-              <a:buFont typeface="Arial" panose="020B0604020202020204" pitchFamily="34" charset="0"/>
-              <a:buChar char="•"/>
-            </a:pPr>
-            <a:r>
-              <a:rPr lang="zh-TW" altLang="en-US" sz="2000" b="1" u="sng" dirty="0">
-                <a:solidFill>
-                  <a:schemeClr val="bg1"/>
-                </a:solidFill>
-                <a:latin typeface="微軟正黑體 Light" panose="020B0304030504040204" pitchFamily="34" charset="-120"/>
-                <a:ea typeface="微軟正黑體 Light" panose="020B0304030504040204" pitchFamily="34" charset="-120"/>
-              </a:rPr>
-              <a:t>onBeforeUnmount</a:t>
-            </a:r>
-            <a:r>
-              <a:rPr lang="zh-TW" altLang="en-US" sz="2000" b="1" dirty="0">
-                <a:solidFill>
-                  <a:schemeClr val="bg1"/>
-                </a:solidFill>
-                <a:latin typeface="微軟正黑體 Light" panose="020B0304030504040204" pitchFamily="34" charset="-120"/>
-                <a:ea typeface="微軟正黑體 Light" panose="020B0304030504040204" pitchFamily="34" charset="-120"/>
-              </a:rPr>
-              <a:t> </a:t>
-            </a:r>
-            <a:r>
-              <a:rPr lang="en-US" altLang="zh-TW" sz="2000" b="1" dirty="0">
-                <a:solidFill>
-                  <a:schemeClr val="bg1"/>
-                </a:solidFill>
-                <a:latin typeface="微軟正黑體 Light" panose="020B0304030504040204" pitchFamily="34" charset="-120"/>
-                <a:ea typeface="微軟正黑體 Light" panose="020B0304030504040204" pitchFamily="34" charset="-120"/>
-              </a:rPr>
-              <a:t>=&gt;</a:t>
-            </a:r>
-            <a:r>
-              <a:rPr lang="zh-TW" altLang="en-US" sz="2000" b="1" dirty="0">
-                <a:solidFill>
-                  <a:schemeClr val="bg1"/>
-                </a:solidFill>
-                <a:latin typeface="微軟正黑體 Light" panose="020B0304030504040204" pitchFamily="34" charset="-120"/>
-                <a:ea typeface="微軟正黑體 Light" panose="020B0304030504040204" pitchFamily="34" charset="-120"/>
-              </a:rPr>
-              <a:t> 組件銷毀前執行</a:t>
-            </a:r>
-          </a:p>
-          <a:p>
-            <a:pPr marL="342900" indent="-342900">
-              <a:lnSpc>
-                <a:spcPct val="150000"/>
-              </a:lnSpc>
-              <a:buFont typeface="Arial" panose="020B0604020202020204" pitchFamily="34" charset="0"/>
-              <a:buChar char="•"/>
-            </a:pPr>
-            <a:r>
-              <a:rPr lang="zh-TW" altLang="en-US" sz="2000" b="1" u="sng" dirty="0">
-                <a:solidFill>
-                  <a:schemeClr val="bg1"/>
-                </a:solidFill>
-                <a:latin typeface="微軟正黑體 Light" panose="020B0304030504040204" pitchFamily="34" charset="-120"/>
-                <a:ea typeface="微軟正黑體 Light" panose="020B0304030504040204" pitchFamily="34" charset="-120"/>
-              </a:rPr>
-              <a:t>onUnmounted</a:t>
-            </a:r>
-            <a:r>
-              <a:rPr lang="zh-TW" altLang="en-US" sz="2000" b="1" dirty="0">
-                <a:solidFill>
-                  <a:schemeClr val="bg1"/>
-                </a:solidFill>
-                <a:latin typeface="微軟正黑體 Light" panose="020B0304030504040204" pitchFamily="34" charset="-120"/>
-                <a:ea typeface="微軟正黑體 Light" panose="020B0304030504040204" pitchFamily="34" charset="-120"/>
-              </a:rPr>
-              <a:t> </a:t>
-            </a:r>
-            <a:r>
-              <a:rPr lang="en-US" altLang="zh-TW" sz="2000" b="1" dirty="0">
-                <a:solidFill>
-                  <a:schemeClr val="bg1"/>
-                </a:solidFill>
-                <a:latin typeface="微軟正黑體 Light" panose="020B0304030504040204" pitchFamily="34" charset="-120"/>
-                <a:ea typeface="微軟正黑體 Light" panose="020B0304030504040204" pitchFamily="34" charset="-120"/>
-              </a:rPr>
-              <a:t>=&gt;</a:t>
-            </a:r>
-            <a:r>
-              <a:rPr lang="zh-TW" altLang="en-US" sz="2000" b="1" dirty="0">
-                <a:solidFill>
-                  <a:schemeClr val="bg1"/>
-                </a:solidFill>
-                <a:latin typeface="微軟正黑體 Light" panose="020B0304030504040204" pitchFamily="34" charset="-120"/>
-                <a:ea typeface="微軟正黑體 Light" panose="020B0304030504040204" pitchFamily="34" charset="-120"/>
-              </a:rPr>
-              <a:t> 組件銷毀後執行</a:t>
-            </a:r>
-          </a:p>
-          <a:p>
-            <a:pPr marL="342900" indent="-342900">
-              <a:lnSpc>
-                <a:spcPct val="150000"/>
-              </a:lnSpc>
-              <a:buFont typeface="Arial" panose="020B0604020202020204" pitchFamily="34" charset="0"/>
-              <a:buChar char="•"/>
-            </a:pPr>
-            <a:r>
-              <a:rPr lang="zh-TW" altLang="en-US" sz="2000" b="1" u="sng" dirty="0">
-                <a:solidFill>
-                  <a:schemeClr val="bg1"/>
-                </a:solidFill>
-                <a:latin typeface="微軟正黑體 Light" panose="020B0304030504040204" pitchFamily="34" charset="-120"/>
-                <a:ea typeface="微軟正黑體 Light" panose="020B0304030504040204" pitchFamily="34" charset="-120"/>
-              </a:rPr>
-              <a:t>onErrorCaptured</a:t>
-            </a:r>
-            <a:r>
-              <a:rPr lang="zh-TW" altLang="en-US" sz="2000" b="1" dirty="0">
-                <a:solidFill>
-                  <a:schemeClr val="bg1"/>
-                </a:solidFill>
-                <a:latin typeface="微軟正黑體 Light" panose="020B0304030504040204" pitchFamily="34" charset="-120"/>
-                <a:ea typeface="微軟正黑體 Light" panose="020B0304030504040204" pitchFamily="34" charset="-120"/>
-              </a:rPr>
-              <a:t> </a:t>
-            </a:r>
-            <a:r>
-              <a:rPr lang="en-US" altLang="zh-TW" sz="2000" b="1" dirty="0">
-                <a:solidFill>
-                  <a:schemeClr val="bg1"/>
-                </a:solidFill>
-                <a:latin typeface="微軟正黑體 Light" panose="020B0304030504040204" pitchFamily="34" charset="-120"/>
-                <a:ea typeface="微軟正黑體 Light" panose="020B0304030504040204" pitchFamily="34" charset="-120"/>
-              </a:rPr>
-              <a:t>=&gt;</a:t>
-            </a:r>
-            <a:r>
-              <a:rPr lang="zh-TW" altLang="en-US" sz="2000" b="1" dirty="0">
-                <a:solidFill>
-                  <a:schemeClr val="bg1"/>
-                </a:solidFill>
-                <a:latin typeface="微軟正黑體 Light" panose="020B0304030504040204" pitchFamily="34" charset="-120"/>
-                <a:ea typeface="微軟正黑體 Light" panose="020B0304030504040204" pitchFamily="34" charset="-120"/>
-              </a:rPr>
-              <a:t> 當組件發出錯誤時後調用</a:t>
-            </a:r>
-          </a:p>
-          <a:p>
-            <a:pPr marL="342900" indent="-342900">
-              <a:lnSpc>
-                <a:spcPct val="150000"/>
-              </a:lnSpc>
-              <a:buFont typeface="Arial" panose="020B0604020202020204" pitchFamily="34" charset="0"/>
-              <a:buChar char="•"/>
-            </a:pPr>
-            <a:r>
-              <a:rPr lang="zh-TW" altLang="en-US" sz="2000" b="1" u="sng" dirty="0">
-                <a:solidFill>
-                  <a:schemeClr val="bg1"/>
-                </a:solidFill>
-                <a:latin typeface="微軟正黑體 Light" panose="020B0304030504040204" pitchFamily="34" charset="-120"/>
-                <a:ea typeface="微軟正黑體 Light" panose="020B0304030504040204" pitchFamily="34" charset="-120"/>
-              </a:rPr>
-              <a:t>onRenderTracked</a:t>
-            </a:r>
-            <a:r>
-              <a:rPr lang="zh-TW" altLang="en-US" sz="2000" b="1" dirty="0">
-                <a:solidFill>
-                  <a:schemeClr val="bg1"/>
-                </a:solidFill>
-                <a:latin typeface="微軟正黑體 Light" panose="020B0304030504040204" pitchFamily="34" charset="-120"/>
-                <a:ea typeface="微軟正黑體 Light" panose="020B0304030504040204" pitchFamily="34" charset="-120"/>
-              </a:rPr>
-              <a:t> </a:t>
-            </a:r>
-            <a:r>
-              <a:rPr lang="en-US" altLang="zh-TW" sz="2000" b="1" dirty="0">
-                <a:solidFill>
-                  <a:schemeClr val="bg1"/>
-                </a:solidFill>
-                <a:latin typeface="微軟正黑體 Light" panose="020B0304030504040204" pitchFamily="34" charset="-120"/>
-                <a:ea typeface="微軟正黑體 Light" panose="020B0304030504040204" pitchFamily="34" charset="-120"/>
-              </a:rPr>
-              <a:t>=&gt;</a:t>
-            </a:r>
-            <a:r>
-              <a:rPr lang="zh-TW" altLang="en-US" sz="2000" b="1" dirty="0">
-                <a:solidFill>
-                  <a:schemeClr val="bg1"/>
-                </a:solidFill>
-                <a:latin typeface="微軟正黑體 Light" panose="020B0304030504040204" pitchFamily="34" charset="-120"/>
-                <a:ea typeface="微軟正黑體 Light" panose="020B0304030504040204" pitchFamily="34" charset="-120"/>
-              </a:rPr>
-              <a:t> 監控 </a:t>
-            </a:r>
-            <a:r>
-              <a:rPr lang="en-US" altLang="zh-TW" sz="2000" b="1" dirty="0">
-                <a:solidFill>
-                  <a:schemeClr val="bg1"/>
-                </a:solidFill>
-                <a:latin typeface="微軟正黑體 Light" panose="020B0304030504040204" pitchFamily="34" charset="-120"/>
-                <a:ea typeface="微軟正黑體 Light" panose="020B0304030504040204" pitchFamily="34" charset="-120"/>
-              </a:rPr>
-              <a:t>virtual DOM</a:t>
-            </a:r>
-            <a:r>
-              <a:rPr lang="zh-TW" altLang="en-US" sz="2000" b="1" dirty="0">
-                <a:solidFill>
-                  <a:schemeClr val="bg1"/>
-                </a:solidFill>
-                <a:latin typeface="微軟正黑體 Light" panose="020B0304030504040204" pitchFamily="34" charset="-120"/>
-                <a:ea typeface="微軟正黑體 Light" panose="020B0304030504040204" pitchFamily="34" charset="-120"/>
-              </a:rPr>
-              <a:t> 重新選染時調用 </a:t>
-            </a:r>
-            <a:r>
-              <a:rPr lang="en-US" altLang="zh-TW" sz="2000" b="1" dirty="0">
-                <a:solidFill>
-                  <a:schemeClr val="bg1"/>
-                </a:solidFill>
-                <a:latin typeface="微軟正黑體 Light" panose="020B0304030504040204" pitchFamily="34" charset="-120"/>
-                <a:ea typeface="微軟正黑體 Light" panose="020B0304030504040204" pitchFamily="34" charset="-120"/>
-              </a:rPr>
-              <a:t>(</a:t>
-            </a:r>
-            <a:r>
-              <a:rPr lang="zh-TW" altLang="en-US" sz="2000" b="1" dirty="0">
-                <a:solidFill>
-                  <a:schemeClr val="bg1"/>
-                </a:solidFill>
-                <a:latin typeface="微軟正黑體 Light" panose="020B0304030504040204" pitchFamily="34" charset="-120"/>
-                <a:ea typeface="微軟正黑體 Light" panose="020B0304030504040204" pitchFamily="34" charset="-120"/>
-              </a:rPr>
-              <a:t> 此事件告訴你操作什麼監聽了組件以及該操作的物件</a:t>
-            </a:r>
-            <a:r>
-              <a:rPr lang="en-US" altLang="zh-TW" sz="2000" b="1" dirty="0">
-                <a:solidFill>
-                  <a:schemeClr val="bg1"/>
-                </a:solidFill>
-                <a:latin typeface="微軟正黑體 Light" panose="020B0304030504040204" pitchFamily="34" charset="-120"/>
-                <a:ea typeface="微軟正黑體 Light" panose="020B0304030504040204" pitchFamily="34" charset="-120"/>
-              </a:rPr>
-              <a:t>)</a:t>
             </a:r>
             <a:endParaRPr lang="zh-TW" altLang="en-US" sz="2000" b="1" dirty="0">
               <a:solidFill>
@@ -4142,7 +3254,7 @@
               <a:lnSpc>
                 <a:spcPct val="150000"/>
               </a:lnSpc>
-              <a:buFont typeface="Arial" panose="020B0604020202020204" pitchFamily="34" charset="0"/>
+              <a:buFont typeface="Arial" panose="020B0604020202090204" pitchFamily="34" charset="0"/>
               <a:buChar char="•"/>
             </a:pPr>
             <a:r>
@@ -4153,7 +3265,7 @@
                 <a:latin typeface="微軟正黑體 Light" panose="020B0304030504040204" pitchFamily="34" charset="-120"/>
                 <a:ea typeface="微軟正黑體 Light" panose="020B0304030504040204" pitchFamily="34" charset="-120"/>
               </a:rPr>
-              <a:t>onRenderTriggered</a:t>
+              <a:t>onMounted</a:t>
             </a:r>
             <a:r>
               <a:rPr lang="zh-TW" altLang="en-US" sz="2000" b="1" dirty="0">
@@ -4163,6 +3275,26 @@
                 <a:latin typeface="微軟正黑體 Light" panose="020B0304030504040204" pitchFamily="34" charset="-120"/>
                 <a:ea typeface="微軟正黑體 Light" panose="020B0304030504040204" pitchFamily="34" charset="-120"/>
               </a:rPr>
+              <a:t>  </a:t>
+            </a:r>
+            <a:r>
+              <a:rPr lang="en-US" altLang="zh-TW" sz="2000" b="1" dirty="0">
+                <a:solidFill>
+                  <a:schemeClr val="bg1"/>
+                </a:solidFill>
+                <a:latin typeface="微軟正黑體 Light" panose="020B0304030504040204" pitchFamily="34" charset="-120"/>
+                <a:ea typeface="微軟正黑體 Light" panose="020B0304030504040204" pitchFamily="34" charset="-120"/>
+              </a:rPr>
+              <a:t>=&gt;</a:t>
+            </a:r>
+            <a:r>
+              <a:rPr lang="zh-TW" altLang="en-US" sz="2000" b="1" dirty="0">
+                <a:solidFill>
+                  <a:schemeClr val="bg1"/>
+                </a:solidFill>
+                <a:latin typeface="微軟正黑體 Light" panose="020B0304030504040204" pitchFamily="34" charset="-120"/>
+                <a:ea typeface="微軟正黑體 Light" panose="020B0304030504040204" pitchFamily="34" charset="-120"/>
+              </a:rPr>
               <a:t> </a:t>
             </a:r>
             <a:r>
@@ -4173,7 +3305,7 @@
                 <a:latin typeface="微軟正黑體 Light" panose="020B0304030504040204" pitchFamily="34" charset="-120"/>
                 <a:ea typeface="微軟正黑體 Light" panose="020B0304030504040204" pitchFamily="34" charset="-120"/>
               </a:rPr>
-              <a:t>=&gt;</a:t>
+              <a:t>DOM </a:t>
             </a:r>
             <a:r>
               <a:rPr lang="zh-TW" altLang="en-US" sz="2000" b="1" dirty="0">
@@ -4183,57 +3315,7 @@
                 <a:latin typeface="微軟正黑體 Light" panose="020B0304030504040204" pitchFamily="34" charset="-120"/>
                 <a:ea typeface="微軟正黑體 Light" panose="020B0304030504040204" pitchFamily="34" charset="-120"/>
               </a:rPr>
-              <a:t> 監控 </a:t>
-            </a:r>
-            <a:r>
-              <a:rPr lang="en-US" altLang="zh-TW" sz="2000" b="1" dirty="0">
-                <a:solidFill>
-                  <a:schemeClr val="bg1"/>
-                </a:solidFill>
-                <a:latin typeface="微軟正黑體 Light" panose="020B0304030504040204" pitchFamily="34" charset="-120"/>
-                <a:ea typeface="微軟正黑體 Light" panose="020B0304030504040204" pitchFamily="34" charset="-120"/>
-              </a:rPr>
-              <a:t>virtual DOM</a:t>
-            </a:r>
-            <a:r>
-              <a:rPr lang="zh-TW" altLang="en-US" sz="2000" b="1" dirty="0">
-                <a:solidFill>
-                  <a:schemeClr val="bg1"/>
-                </a:solidFill>
-                <a:latin typeface="微軟正黑體 Light" panose="020B0304030504040204" pitchFamily="34" charset="-120"/>
-                <a:ea typeface="微軟正黑體 Light" panose="020B0304030504040204" pitchFamily="34" charset="-120"/>
-              </a:rPr>
-              <a:t> 重新選染時調用 </a:t>
-            </a:r>
-            <a:r>
-              <a:rPr lang="en-US" altLang="zh-TW" sz="2000" b="1" dirty="0">
-                <a:solidFill>
-                  <a:schemeClr val="bg1"/>
-                </a:solidFill>
-                <a:latin typeface="微軟正黑體 Light" panose="020B0304030504040204" pitchFamily="34" charset="-120"/>
-                <a:ea typeface="微軟正黑體 Light" panose="020B0304030504040204" pitchFamily="34" charset="-120"/>
-              </a:rPr>
-              <a:t>(</a:t>
-            </a:r>
-            <a:r>
-              <a:rPr lang="zh-TW" altLang="en-US" sz="2000" b="1" dirty="0">
-                <a:solidFill>
-                  <a:schemeClr val="bg1"/>
-                </a:solidFill>
-                <a:latin typeface="微軟正黑體 Light" panose="020B0304030504040204" pitchFamily="34" charset="-120"/>
-                <a:ea typeface="微軟正黑體 Light" panose="020B0304030504040204" pitchFamily="34" charset="-120"/>
-              </a:rPr>
-              <a:t> 此事件告訴你操作什麼觸發了重新渲染，以及該操作的物件</a:t>
-            </a:r>
-            <a:r>
-              <a:rPr lang="en-US" altLang="zh-TW" sz="2000" b="1" dirty="0">
-                <a:solidFill>
-                  <a:schemeClr val="bg1"/>
-                </a:solidFill>
-                <a:latin typeface="微軟正黑體 Light" panose="020B0304030504040204" pitchFamily="34" charset="-120"/>
-                <a:ea typeface="微軟正黑體 Light" panose="020B0304030504040204" pitchFamily="34" charset="-120"/>
-              </a:rPr>
-              <a:t>)</a:t>
+              <a:t>渲染完成後執行 </a:t>
             </a:r>
             <a:endParaRPr lang="zh-TW" altLang="en-US" sz="2000" b="1" dirty="0">
               <a:solidFill>
@@ -4243,17 +3325,543 @@
               <a:ea typeface="微軟正黑體 Light" panose="020B0304030504040204" pitchFamily="34" charset="-120"/>
             </a:endParaRPr>
           </a:p>
-        </p:txBody>
-      </p:sp>
-      <p:sp>
-        <p:nvSpPr>
-          <p:cNvPr id="8" name="文字方塊 7">
-            <a:extLst>
-              <a:ext uri="{FF2B5EF4-FFF2-40B4-BE49-F238E27FC236}">
-                <a16:creationId xmlns:a16="http://schemas.microsoft.com/office/drawing/2014/main" id="{D3FA7210-0F61-4778-B5CE-BFA99975EB04}"/>
-              </a:ext>
-            </a:extLst>
-          </p:cNvPr>
+          <a:p>
+            <a:pPr marL="342900" indent="-342900">
+              <a:lnSpc>
+                <a:spcPct val="150000"/>
+              </a:lnSpc>
+              <a:buFont typeface="Arial" panose="020B0604020202090204" pitchFamily="34" charset="0"/>
+              <a:buChar char="•"/>
+            </a:pPr>
+            <a:r>
+              <a:rPr lang="zh-TW" altLang="en-US" sz="2000" b="1" u="sng" dirty="0">
+                <a:solidFill>
+                  <a:schemeClr val="bg1"/>
+                </a:solidFill>
+                <a:latin typeface="微軟正黑體 Light" panose="020B0304030504040204" pitchFamily="34" charset="-120"/>
+                <a:ea typeface="微軟正黑體 Light" panose="020B0304030504040204" pitchFamily="34" charset="-120"/>
+              </a:rPr>
+              <a:t>onBeforeUpdate</a:t>
+            </a:r>
+            <a:r>
+              <a:rPr lang="zh-TW" altLang="en-US" sz="2000" b="1" dirty="0">
+                <a:solidFill>
+                  <a:schemeClr val="bg1"/>
+                </a:solidFill>
+                <a:latin typeface="微軟正黑體 Light" panose="020B0304030504040204" pitchFamily="34" charset="-120"/>
+                <a:ea typeface="微軟正黑體 Light" panose="020B0304030504040204" pitchFamily="34" charset="-120"/>
+              </a:rPr>
+              <a:t>  </a:t>
+            </a:r>
+            <a:r>
+              <a:rPr lang="en-US" altLang="zh-TW" sz="2000" b="1" dirty="0">
+                <a:solidFill>
+                  <a:schemeClr val="bg1"/>
+                </a:solidFill>
+                <a:latin typeface="微軟正黑體 Light" panose="020B0304030504040204" pitchFamily="34" charset="-120"/>
+                <a:ea typeface="微軟正黑體 Light" panose="020B0304030504040204" pitchFamily="34" charset="-120"/>
+              </a:rPr>
+              <a:t>=&gt;</a:t>
+            </a:r>
+            <a:r>
+              <a:rPr lang="zh-TW" altLang="en-US" sz="2000" b="1" dirty="0">
+                <a:solidFill>
+                  <a:schemeClr val="bg1"/>
+                </a:solidFill>
+                <a:latin typeface="微軟正黑體 Light" panose="020B0304030504040204" pitchFamily="34" charset="-120"/>
+                <a:ea typeface="微軟正黑體 Light" panose="020B0304030504040204" pitchFamily="34" charset="-120"/>
+              </a:rPr>
+              <a:t> 資料更新</a:t>
+            </a:r>
+            <a:r>
+              <a:rPr lang="en-US" altLang="zh-TW" sz="2000" b="1" dirty="0">
+                <a:solidFill>
+                  <a:schemeClr val="bg1"/>
+                </a:solidFill>
+                <a:latin typeface="微軟正黑體 Light" panose="020B0304030504040204" pitchFamily="34" charset="-120"/>
+                <a:ea typeface="微軟正黑體 Light" panose="020B0304030504040204" pitchFamily="34" charset="-120"/>
+              </a:rPr>
+              <a:t>DOM</a:t>
+            </a:r>
+            <a:r>
+              <a:rPr lang="zh-TW" altLang="en-US" sz="2000" b="1" dirty="0">
+                <a:solidFill>
+                  <a:schemeClr val="bg1"/>
+                </a:solidFill>
+                <a:latin typeface="微軟正黑體 Light" panose="020B0304030504040204" pitchFamily="34" charset="-120"/>
+                <a:ea typeface="微軟正黑體 Light" panose="020B0304030504040204" pitchFamily="34" charset="-120"/>
+              </a:rPr>
+              <a:t>更改前執行</a:t>
+            </a:r>
+            <a:endParaRPr lang="zh-TW" altLang="en-US" sz="2000" b="1" dirty="0">
+              <a:solidFill>
+                <a:schemeClr val="bg1"/>
+              </a:solidFill>
+              <a:latin typeface="微軟正黑體 Light" panose="020B0304030504040204" pitchFamily="34" charset="-120"/>
+              <a:ea typeface="微軟正黑體 Light" panose="020B0304030504040204" pitchFamily="34" charset="-120"/>
+            </a:endParaRPr>
+          </a:p>
+          <a:p>
+            <a:pPr marL="342900" indent="-342900">
+              <a:lnSpc>
+                <a:spcPct val="150000"/>
+              </a:lnSpc>
+              <a:buFont typeface="Arial" panose="020B0604020202090204" pitchFamily="34" charset="0"/>
+              <a:buChar char="•"/>
+            </a:pPr>
+            <a:r>
+              <a:rPr lang="zh-TW" altLang="en-US" sz="2000" b="1" u="sng" dirty="0">
+                <a:solidFill>
+                  <a:schemeClr val="bg1"/>
+                </a:solidFill>
+                <a:latin typeface="微軟正黑體 Light" panose="020B0304030504040204" pitchFamily="34" charset="-120"/>
+                <a:ea typeface="微軟正黑體 Light" panose="020B0304030504040204" pitchFamily="34" charset="-120"/>
+              </a:rPr>
+              <a:t>onUpdated</a:t>
+            </a:r>
+            <a:r>
+              <a:rPr lang="zh-TW" altLang="en-US" sz="2000" b="1" dirty="0">
+                <a:solidFill>
+                  <a:schemeClr val="bg1"/>
+                </a:solidFill>
+                <a:latin typeface="微軟正黑體 Light" panose="020B0304030504040204" pitchFamily="34" charset="-120"/>
+                <a:ea typeface="微軟正黑體 Light" panose="020B0304030504040204" pitchFamily="34" charset="-120"/>
+              </a:rPr>
+              <a:t> </a:t>
+            </a:r>
+            <a:r>
+              <a:rPr lang="en-US" altLang="zh-TW" sz="2000" b="1" dirty="0">
+                <a:solidFill>
+                  <a:schemeClr val="bg1"/>
+                </a:solidFill>
+                <a:latin typeface="微軟正黑體 Light" panose="020B0304030504040204" pitchFamily="34" charset="-120"/>
+                <a:ea typeface="微軟正黑體 Light" panose="020B0304030504040204" pitchFamily="34" charset="-120"/>
+              </a:rPr>
+              <a:t>=&gt;</a:t>
+            </a:r>
+            <a:r>
+              <a:rPr lang="zh-TW" altLang="en-US" sz="2000" b="1" dirty="0">
+                <a:solidFill>
+                  <a:schemeClr val="bg1"/>
+                </a:solidFill>
+                <a:latin typeface="微軟正黑體 Light" panose="020B0304030504040204" pitchFamily="34" charset="-120"/>
+                <a:ea typeface="微軟正黑體 Light" panose="020B0304030504040204" pitchFamily="34" charset="-120"/>
+              </a:rPr>
+              <a:t> 資料更新</a:t>
+            </a:r>
+            <a:r>
+              <a:rPr lang="en-US" altLang="zh-TW" sz="2000" b="1" dirty="0">
+                <a:solidFill>
+                  <a:schemeClr val="bg1"/>
+                </a:solidFill>
+                <a:latin typeface="微軟正黑體 Light" panose="020B0304030504040204" pitchFamily="34" charset="-120"/>
+                <a:ea typeface="微軟正黑體 Light" panose="020B0304030504040204" pitchFamily="34" charset="-120"/>
+              </a:rPr>
+              <a:t>DOM</a:t>
+            </a:r>
+            <a:r>
+              <a:rPr lang="zh-TW" altLang="en-US" sz="2000" b="1" dirty="0">
+                <a:solidFill>
+                  <a:schemeClr val="bg1"/>
+                </a:solidFill>
+                <a:latin typeface="微軟正黑體 Light" panose="020B0304030504040204" pitchFamily="34" charset="-120"/>
+                <a:ea typeface="微軟正黑體 Light" panose="020B0304030504040204" pitchFamily="34" charset="-120"/>
+              </a:rPr>
+              <a:t>更改後執行</a:t>
+            </a:r>
+            <a:endParaRPr lang="zh-TW" altLang="en-US" sz="2000" b="1" dirty="0">
+              <a:solidFill>
+                <a:schemeClr val="bg1"/>
+              </a:solidFill>
+              <a:latin typeface="微軟正黑體 Light" panose="020B0304030504040204" pitchFamily="34" charset="-120"/>
+              <a:ea typeface="微軟正黑體 Light" panose="020B0304030504040204" pitchFamily="34" charset="-120"/>
+            </a:endParaRPr>
+          </a:p>
+          <a:p>
+            <a:pPr marL="342900" indent="-342900">
+              <a:lnSpc>
+                <a:spcPct val="150000"/>
+              </a:lnSpc>
+              <a:buFont typeface="Arial" panose="020B0604020202090204" pitchFamily="34" charset="0"/>
+              <a:buChar char="•"/>
+            </a:pPr>
+            <a:r>
+              <a:rPr lang="zh-TW" altLang="en-US" sz="2000" b="1" u="sng" dirty="0">
+                <a:solidFill>
+                  <a:schemeClr val="bg1"/>
+                </a:solidFill>
+                <a:latin typeface="微軟正黑體 Light" panose="020B0304030504040204" pitchFamily="34" charset="-120"/>
+                <a:ea typeface="微軟正黑體 Light" panose="020B0304030504040204" pitchFamily="34" charset="-120"/>
+              </a:rPr>
+              <a:t>onBeforeUnmount</a:t>
+            </a:r>
+            <a:r>
+              <a:rPr lang="zh-TW" altLang="en-US" sz="2000" b="1" dirty="0">
+                <a:solidFill>
+                  <a:schemeClr val="bg1"/>
+                </a:solidFill>
+                <a:latin typeface="微軟正黑體 Light" panose="020B0304030504040204" pitchFamily="34" charset="-120"/>
+                <a:ea typeface="微軟正黑體 Light" panose="020B0304030504040204" pitchFamily="34" charset="-120"/>
+              </a:rPr>
+              <a:t> </a:t>
+            </a:r>
+            <a:r>
+              <a:rPr lang="en-US" altLang="zh-TW" sz="2000" b="1" dirty="0">
+                <a:solidFill>
+                  <a:schemeClr val="bg1"/>
+                </a:solidFill>
+                <a:latin typeface="微軟正黑體 Light" panose="020B0304030504040204" pitchFamily="34" charset="-120"/>
+                <a:ea typeface="微軟正黑體 Light" panose="020B0304030504040204" pitchFamily="34" charset="-120"/>
+              </a:rPr>
+              <a:t>=&gt;</a:t>
+            </a:r>
+            <a:r>
+              <a:rPr lang="zh-TW" altLang="en-US" sz="2000" b="1" dirty="0">
+                <a:solidFill>
+                  <a:schemeClr val="bg1"/>
+                </a:solidFill>
+                <a:latin typeface="微軟正黑體 Light" panose="020B0304030504040204" pitchFamily="34" charset="-120"/>
+                <a:ea typeface="微軟正黑體 Light" panose="020B0304030504040204" pitchFamily="34" charset="-120"/>
+              </a:rPr>
+              <a:t> 組件銷毀前執行</a:t>
+            </a:r>
+            <a:endParaRPr lang="zh-TW" altLang="en-US" sz="2000" b="1" dirty="0">
+              <a:solidFill>
+                <a:schemeClr val="bg1"/>
+              </a:solidFill>
+              <a:latin typeface="微軟正黑體 Light" panose="020B0304030504040204" pitchFamily="34" charset="-120"/>
+              <a:ea typeface="微軟正黑體 Light" panose="020B0304030504040204" pitchFamily="34" charset="-120"/>
+            </a:endParaRPr>
+          </a:p>
+          <a:p>
+            <a:pPr marL="342900" indent="-342900">
+              <a:lnSpc>
+                <a:spcPct val="150000"/>
+              </a:lnSpc>
+              <a:buFont typeface="Arial" panose="020B0604020202090204" pitchFamily="34" charset="0"/>
+              <a:buChar char="•"/>
+            </a:pPr>
+            <a:r>
+              <a:rPr lang="zh-TW" altLang="en-US" sz="2000" b="1" u="sng" dirty="0">
+                <a:solidFill>
+                  <a:schemeClr val="bg1"/>
+                </a:solidFill>
+                <a:latin typeface="微軟正黑體 Light" panose="020B0304030504040204" pitchFamily="34" charset="-120"/>
+                <a:ea typeface="微軟正黑體 Light" panose="020B0304030504040204" pitchFamily="34" charset="-120"/>
+              </a:rPr>
+              <a:t>onUnmounted</a:t>
+            </a:r>
+            <a:r>
+              <a:rPr lang="zh-TW" altLang="en-US" sz="2000" b="1" dirty="0">
+                <a:solidFill>
+                  <a:schemeClr val="bg1"/>
+                </a:solidFill>
+                <a:latin typeface="微軟正黑體 Light" panose="020B0304030504040204" pitchFamily="34" charset="-120"/>
+                <a:ea typeface="微軟正黑體 Light" panose="020B0304030504040204" pitchFamily="34" charset="-120"/>
+              </a:rPr>
+              <a:t> </a:t>
+            </a:r>
+            <a:r>
+              <a:rPr lang="en-US" altLang="zh-TW" sz="2000" b="1" dirty="0">
+                <a:solidFill>
+                  <a:schemeClr val="bg1"/>
+                </a:solidFill>
+                <a:latin typeface="微軟正黑體 Light" panose="020B0304030504040204" pitchFamily="34" charset="-120"/>
+                <a:ea typeface="微軟正黑體 Light" panose="020B0304030504040204" pitchFamily="34" charset="-120"/>
+              </a:rPr>
+              <a:t>=&gt;</a:t>
+            </a:r>
+            <a:r>
+              <a:rPr lang="zh-TW" altLang="en-US" sz="2000" b="1" dirty="0">
+                <a:solidFill>
+                  <a:schemeClr val="bg1"/>
+                </a:solidFill>
+                <a:latin typeface="微軟正黑體 Light" panose="020B0304030504040204" pitchFamily="34" charset="-120"/>
+                <a:ea typeface="微軟正黑體 Light" panose="020B0304030504040204" pitchFamily="34" charset="-120"/>
+              </a:rPr>
+              <a:t> 組件銷毀後執行</a:t>
+            </a:r>
+            <a:endParaRPr lang="zh-TW" altLang="en-US" sz="2000" b="1" dirty="0">
+              <a:solidFill>
+                <a:schemeClr val="bg1"/>
+              </a:solidFill>
+              <a:latin typeface="微軟正黑體 Light" panose="020B0304030504040204" pitchFamily="34" charset="-120"/>
+              <a:ea typeface="微軟正黑體 Light" panose="020B0304030504040204" pitchFamily="34" charset="-120"/>
+            </a:endParaRPr>
+          </a:p>
+          <a:p>
+            <a:pPr marL="342900" indent="-342900">
+              <a:lnSpc>
+                <a:spcPct val="150000"/>
+              </a:lnSpc>
+              <a:buFont typeface="Arial" panose="020B0604020202090204" pitchFamily="34" charset="0"/>
+              <a:buChar char="•"/>
+            </a:pPr>
+            <a:r>
+              <a:rPr lang="zh-TW" altLang="en-US" sz="2000" b="1" u="sng" dirty="0">
+                <a:solidFill>
+                  <a:schemeClr val="bg1"/>
+                </a:solidFill>
+                <a:latin typeface="微軟正黑體 Light" panose="020B0304030504040204" pitchFamily="34" charset="-120"/>
+                <a:ea typeface="微軟正黑體 Light" panose="020B0304030504040204" pitchFamily="34" charset="-120"/>
+              </a:rPr>
+              <a:t>onErrorCaptured</a:t>
+            </a:r>
+            <a:r>
+              <a:rPr lang="zh-TW" altLang="en-US" sz="2000" b="1" dirty="0">
+                <a:solidFill>
+                  <a:schemeClr val="bg1"/>
+                </a:solidFill>
+                <a:latin typeface="微軟正黑體 Light" panose="020B0304030504040204" pitchFamily="34" charset="-120"/>
+                <a:ea typeface="微軟正黑體 Light" panose="020B0304030504040204" pitchFamily="34" charset="-120"/>
+              </a:rPr>
+              <a:t> </a:t>
+            </a:r>
+            <a:r>
+              <a:rPr lang="en-US" altLang="zh-TW" sz="2000" b="1" dirty="0">
+                <a:solidFill>
+                  <a:schemeClr val="bg1"/>
+                </a:solidFill>
+                <a:latin typeface="微軟正黑體 Light" panose="020B0304030504040204" pitchFamily="34" charset="-120"/>
+                <a:ea typeface="微軟正黑體 Light" panose="020B0304030504040204" pitchFamily="34" charset="-120"/>
+              </a:rPr>
+              <a:t>=&gt;</a:t>
+            </a:r>
+            <a:r>
+              <a:rPr lang="zh-TW" altLang="en-US" sz="2000" b="1" dirty="0">
+                <a:solidFill>
+                  <a:schemeClr val="bg1"/>
+                </a:solidFill>
+                <a:latin typeface="微軟正黑體 Light" panose="020B0304030504040204" pitchFamily="34" charset="-120"/>
+                <a:ea typeface="微軟正黑體 Light" panose="020B0304030504040204" pitchFamily="34" charset="-120"/>
+              </a:rPr>
+              <a:t> 當組件發出錯誤時後調用</a:t>
+            </a:r>
+            <a:endParaRPr lang="zh-TW" altLang="en-US" sz="2000" b="1" dirty="0">
+              <a:solidFill>
+                <a:schemeClr val="bg1"/>
+              </a:solidFill>
+              <a:latin typeface="微軟正黑體 Light" panose="020B0304030504040204" pitchFamily="34" charset="-120"/>
+              <a:ea typeface="微軟正黑體 Light" panose="020B0304030504040204" pitchFamily="34" charset="-120"/>
+            </a:endParaRPr>
+          </a:p>
+          <a:p>
+            <a:pPr marL="342900" indent="-342900">
+              <a:lnSpc>
+                <a:spcPct val="150000"/>
+              </a:lnSpc>
+              <a:buFont typeface="Arial" panose="020B0604020202090204" pitchFamily="34" charset="0"/>
+              <a:buChar char="•"/>
+            </a:pPr>
+            <a:r>
+              <a:rPr lang="zh-TW" altLang="en-US" sz="2000" b="1" u="sng" dirty="0">
+                <a:solidFill>
+                  <a:schemeClr val="bg1"/>
+                </a:solidFill>
+                <a:latin typeface="微軟正黑體 Light" panose="020B0304030504040204" pitchFamily="34" charset="-120"/>
+                <a:ea typeface="微軟正黑體 Light" panose="020B0304030504040204" pitchFamily="34" charset="-120"/>
+              </a:rPr>
+              <a:t>onRenderTracked</a:t>
+            </a:r>
+            <a:r>
+              <a:rPr lang="zh-TW" altLang="en-US" sz="2000" b="1" dirty="0">
+                <a:solidFill>
+                  <a:schemeClr val="bg1"/>
+                </a:solidFill>
+                <a:latin typeface="微軟正黑體 Light" panose="020B0304030504040204" pitchFamily="34" charset="-120"/>
+                <a:ea typeface="微軟正黑體 Light" panose="020B0304030504040204" pitchFamily="34" charset="-120"/>
+              </a:rPr>
+              <a:t> </a:t>
+            </a:r>
+            <a:r>
+              <a:rPr lang="en-US" altLang="zh-TW" sz="2000" b="1" dirty="0">
+                <a:solidFill>
+                  <a:schemeClr val="bg1"/>
+                </a:solidFill>
+                <a:latin typeface="微軟正黑體 Light" panose="020B0304030504040204" pitchFamily="34" charset="-120"/>
+                <a:ea typeface="微軟正黑體 Light" panose="020B0304030504040204" pitchFamily="34" charset="-120"/>
+              </a:rPr>
+              <a:t>=&gt;</a:t>
+            </a:r>
+            <a:r>
+              <a:rPr lang="zh-TW" altLang="en-US" sz="2000" b="1" dirty="0">
+                <a:solidFill>
+                  <a:schemeClr val="bg1"/>
+                </a:solidFill>
+                <a:latin typeface="微軟正黑體 Light" panose="020B0304030504040204" pitchFamily="34" charset="-120"/>
+                <a:ea typeface="微軟正黑體 Light" panose="020B0304030504040204" pitchFamily="34" charset="-120"/>
+              </a:rPr>
+              <a:t> 監控 </a:t>
+            </a:r>
+            <a:r>
+              <a:rPr lang="en-US" altLang="zh-TW" sz="2000" b="1" dirty="0">
+                <a:solidFill>
+                  <a:schemeClr val="bg1"/>
+                </a:solidFill>
+                <a:latin typeface="微軟正黑體 Light" panose="020B0304030504040204" pitchFamily="34" charset="-120"/>
+                <a:ea typeface="微軟正黑體 Light" panose="020B0304030504040204" pitchFamily="34" charset="-120"/>
+              </a:rPr>
+              <a:t>virtual DOM</a:t>
+            </a:r>
+            <a:r>
+              <a:rPr lang="zh-TW" altLang="en-US" sz="2000" b="1" dirty="0">
+                <a:solidFill>
+                  <a:schemeClr val="bg1"/>
+                </a:solidFill>
+                <a:latin typeface="微軟正黑體 Light" panose="020B0304030504040204" pitchFamily="34" charset="-120"/>
+                <a:ea typeface="微軟正黑體 Light" panose="020B0304030504040204" pitchFamily="34" charset="-120"/>
+              </a:rPr>
+              <a:t> 重新選染時調用 </a:t>
+            </a:r>
+            <a:r>
+              <a:rPr lang="en-US" altLang="zh-TW" sz="2000" b="1" dirty="0">
+                <a:solidFill>
+                  <a:schemeClr val="bg1"/>
+                </a:solidFill>
+                <a:latin typeface="微軟正黑體 Light" panose="020B0304030504040204" pitchFamily="34" charset="-120"/>
+                <a:ea typeface="微軟正黑體 Light" panose="020B0304030504040204" pitchFamily="34" charset="-120"/>
+              </a:rPr>
+              <a:t>(</a:t>
+            </a:r>
+            <a:r>
+              <a:rPr lang="zh-TW" altLang="en-US" sz="2000" b="1" dirty="0">
+                <a:solidFill>
+                  <a:schemeClr val="bg1"/>
+                </a:solidFill>
+                <a:latin typeface="微軟正黑體 Light" panose="020B0304030504040204" pitchFamily="34" charset="-120"/>
+                <a:ea typeface="微軟正黑體 Light" panose="020B0304030504040204" pitchFamily="34" charset="-120"/>
+              </a:rPr>
+              <a:t> 此事件告訴你操作什麼監聽了組件以及該操作的物件</a:t>
+            </a:r>
+            <a:r>
+              <a:rPr lang="en-US" altLang="zh-TW" sz="2000" b="1" dirty="0">
+                <a:solidFill>
+                  <a:schemeClr val="bg1"/>
+                </a:solidFill>
+                <a:latin typeface="微軟正黑體 Light" panose="020B0304030504040204" pitchFamily="34" charset="-120"/>
+                <a:ea typeface="微軟正黑體 Light" panose="020B0304030504040204" pitchFamily="34" charset="-120"/>
+              </a:rPr>
+              <a:t>)</a:t>
+            </a:r>
+            <a:endParaRPr lang="zh-TW" altLang="en-US" sz="2000" b="1" dirty="0">
+              <a:solidFill>
+                <a:schemeClr val="bg1"/>
+              </a:solidFill>
+              <a:latin typeface="微軟正黑體 Light" panose="020B0304030504040204" pitchFamily="34" charset="-120"/>
+              <a:ea typeface="微軟正黑體 Light" panose="020B0304030504040204" pitchFamily="34" charset="-120"/>
+            </a:endParaRPr>
+          </a:p>
+          <a:p>
+            <a:pPr marL="342900" indent="-342900">
+              <a:lnSpc>
+                <a:spcPct val="150000"/>
+              </a:lnSpc>
+              <a:buFont typeface="Arial" panose="020B0604020202090204" pitchFamily="34" charset="0"/>
+              <a:buChar char="•"/>
+            </a:pPr>
+            <a:r>
+              <a:rPr lang="zh-TW" altLang="en-US" sz="2000" b="1" u="sng" dirty="0">
+                <a:solidFill>
+                  <a:schemeClr val="bg1"/>
+                </a:solidFill>
+                <a:latin typeface="微軟正黑體 Light" panose="020B0304030504040204" pitchFamily="34" charset="-120"/>
+                <a:ea typeface="微軟正黑體 Light" panose="020B0304030504040204" pitchFamily="34" charset="-120"/>
+              </a:rPr>
+              <a:t>onRenderTriggered</a:t>
+            </a:r>
+            <a:r>
+              <a:rPr lang="zh-TW" altLang="en-US" sz="2000" b="1" dirty="0">
+                <a:solidFill>
+                  <a:schemeClr val="bg1"/>
+                </a:solidFill>
+                <a:latin typeface="微軟正黑體 Light" panose="020B0304030504040204" pitchFamily="34" charset="-120"/>
+                <a:ea typeface="微軟正黑體 Light" panose="020B0304030504040204" pitchFamily="34" charset="-120"/>
+              </a:rPr>
+              <a:t> </a:t>
+            </a:r>
+            <a:r>
+              <a:rPr lang="en-US" altLang="zh-TW" sz="2000" b="1" dirty="0">
+                <a:solidFill>
+                  <a:schemeClr val="bg1"/>
+                </a:solidFill>
+                <a:latin typeface="微軟正黑體 Light" panose="020B0304030504040204" pitchFamily="34" charset="-120"/>
+                <a:ea typeface="微軟正黑體 Light" panose="020B0304030504040204" pitchFamily="34" charset="-120"/>
+              </a:rPr>
+              <a:t>=&gt;</a:t>
+            </a:r>
+            <a:r>
+              <a:rPr lang="zh-TW" altLang="en-US" sz="2000" b="1" dirty="0">
+                <a:solidFill>
+                  <a:schemeClr val="bg1"/>
+                </a:solidFill>
+                <a:latin typeface="微軟正黑體 Light" panose="020B0304030504040204" pitchFamily="34" charset="-120"/>
+                <a:ea typeface="微軟正黑體 Light" panose="020B0304030504040204" pitchFamily="34" charset="-120"/>
+              </a:rPr>
+              <a:t> 監控 </a:t>
+            </a:r>
+            <a:r>
+              <a:rPr lang="en-US" altLang="zh-TW" sz="2000" b="1" dirty="0">
+                <a:solidFill>
+                  <a:schemeClr val="bg1"/>
+                </a:solidFill>
+                <a:latin typeface="微軟正黑體 Light" panose="020B0304030504040204" pitchFamily="34" charset="-120"/>
+                <a:ea typeface="微軟正黑體 Light" panose="020B0304030504040204" pitchFamily="34" charset="-120"/>
+              </a:rPr>
+              <a:t>virtual DOM</a:t>
+            </a:r>
+            <a:r>
+              <a:rPr lang="zh-TW" altLang="en-US" sz="2000" b="1" dirty="0">
+                <a:solidFill>
+                  <a:schemeClr val="bg1"/>
+                </a:solidFill>
+                <a:latin typeface="微軟正黑體 Light" panose="020B0304030504040204" pitchFamily="34" charset="-120"/>
+                <a:ea typeface="微軟正黑體 Light" panose="020B0304030504040204" pitchFamily="34" charset="-120"/>
+              </a:rPr>
+              <a:t> 重新選染時調用 </a:t>
+            </a:r>
+            <a:r>
+              <a:rPr lang="en-US" altLang="zh-TW" sz="2000" b="1" dirty="0">
+                <a:solidFill>
+                  <a:schemeClr val="bg1"/>
+                </a:solidFill>
+                <a:latin typeface="微軟正黑體 Light" panose="020B0304030504040204" pitchFamily="34" charset="-120"/>
+                <a:ea typeface="微軟正黑體 Light" panose="020B0304030504040204" pitchFamily="34" charset="-120"/>
+              </a:rPr>
+              <a:t>(</a:t>
+            </a:r>
+            <a:r>
+              <a:rPr lang="zh-TW" altLang="en-US" sz="2000" b="1" dirty="0">
+                <a:solidFill>
+                  <a:schemeClr val="bg1"/>
+                </a:solidFill>
+                <a:latin typeface="微軟正黑體 Light" panose="020B0304030504040204" pitchFamily="34" charset="-120"/>
+                <a:ea typeface="微軟正黑體 Light" panose="020B0304030504040204" pitchFamily="34" charset="-120"/>
+              </a:rPr>
+              <a:t> 此事件告訴你操作什麼觸發了重新渲染，以及該操作的物件</a:t>
+            </a:r>
+            <a:r>
+              <a:rPr lang="en-US" altLang="zh-TW" sz="2000" b="1" dirty="0">
+                <a:solidFill>
+                  <a:schemeClr val="bg1"/>
+                </a:solidFill>
+                <a:latin typeface="微軟正黑體 Light" panose="020B0304030504040204" pitchFamily="34" charset="-120"/>
+                <a:ea typeface="微軟正黑體 Light" panose="020B0304030504040204" pitchFamily="34" charset="-120"/>
+              </a:rPr>
+              <a:t>)</a:t>
+            </a:r>
+            <a:endParaRPr lang="zh-TW" altLang="en-US" sz="2000" b="1" dirty="0">
+              <a:solidFill>
+                <a:schemeClr val="bg1"/>
+              </a:solidFill>
+              <a:latin typeface="微軟正黑體 Light" panose="020B0304030504040204" pitchFamily="34" charset="-120"/>
+              <a:ea typeface="微軟正黑體 Light" panose="020B0304030504040204" pitchFamily="34" charset="-120"/>
+            </a:endParaRPr>
+          </a:p>
+        </p:txBody>
+      </p:sp>
+      <p:sp>
+        <p:nvSpPr>
+          <p:cNvPr id="8" name="文字方塊 7"/>
           <p:cNvSpPr txBox="1"/>
           <p:nvPr/>
         </p:nvSpPr>
@@ -4281,15 +3889,15 @@
               </a:rPr>
               <a:t>https://v3.vuejs.org/guide/instance.html#lifecycle-diagram</a:t>
             </a:r>
+            <a:endParaRPr lang="zh-TW" altLang="en-US" b="1" dirty="0">
+              <a:solidFill>
+                <a:schemeClr val="bg1"/>
+              </a:solidFill>
+            </a:endParaRPr>
           </a:p>
         </p:txBody>
       </p:sp>
     </p:spTree>
-    <p:extLst>
-      <p:ext uri="{BB962C8B-B14F-4D97-AF65-F5344CB8AC3E}">
-        <p14:creationId xmlns:p14="http://schemas.microsoft.com/office/powerpoint/2010/main" val="2971740308"/>
-      </p:ext>
-    </p:extLst>
   </p:cSld>
   <p:clrMapOvr>
     <a:masterClrMapping/>
@@ -4316,13 +3924,7 @@
       </p:grpSpPr>
       <p:sp>
         <p:nvSpPr>
-          <p:cNvPr id="2" name="標題 1">
-            <a:extLst>
-              <a:ext uri="{FF2B5EF4-FFF2-40B4-BE49-F238E27FC236}">
-                <a16:creationId xmlns:a16="http://schemas.microsoft.com/office/drawing/2014/main" id="{70A11147-4E47-4075-A105-082B69AEAC42}"/>
-              </a:ext>
-            </a:extLst>
-          </p:cNvPr>
+          <p:cNvPr id="2" name="標題 1"/>
           <p:cNvSpPr>
             <a:spLocks noGrp="1"/>
           </p:cNvSpPr>
@@ -4376,13 +3978,7 @@
       </p:sp>
       <p:sp>
         <p:nvSpPr>
-          <p:cNvPr id="5" name="文字方塊 4">
-            <a:extLst>
-              <a:ext uri="{FF2B5EF4-FFF2-40B4-BE49-F238E27FC236}">
-                <a16:creationId xmlns:a16="http://schemas.microsoft.com/office/drawing/2014/main" id="{8BB785BD-8961-48DD-9807-CA99A9C9DDA8}"/>
-              </a:ext>
-            </a:extLst>
-          </p:cNvPr>
+          <p:cNvPr id="5" name="文字方塊 4"/>
           <p:cNvSpPr txBox="1"/>
           <p:nvPr/>
         </p:nvSpPr>
@@ -4404,7 +4000,7 @@
           <a:p>
             <a:r>
               <a:rPr lang="zh-TW" altLang="en-US" sz="2800" dirty="0">
-                <a:hlinkClick r:id="rId2"/>
+                <a:hlinkClick r:id="rId1"/>
               </a:rPr>
               <a:t>https://v3.vuejs.org/guide/events.html#multiple-event-handlers</a:t>
             </a:r>
@@ -4413,11 +4009,6 @@
         </p:txBody>
       </p:sp>
     </p:spTree>
-    <p:extLst>
-      <p:ext uri="{BB962C8B-B14F-4D97-AF65-F5344CB8AC3E}">
-        <p14:creationId xmlns:p14="http://schemas.microsoft.com/office/powerpoint/2010/main" val="1111608454"/>
-      </p:ext>
-    </p:extLst>
   </p:cSld>
   <p:clrMapOvr>
     <a:masterClrMapping/>
@@ -4444,13 +4035,7 @@
       </p:grpSpPr>
       <p:sp>
         <p:nvSpPr>
-          <p:cNvPr id="2" name="標題 1">
-            <a:extLst>
-              <a:ext uri="{FF2B5EF4-FFF2-40B4-BE49-F238E27FC236}">
-                <a16:creationId xmlns:a16="http://schemas.microsoft.com/office/drawing/2014/main" id="{7B03FB67-E384-4A92-8AA5-993C73C6A628}"/>
-              </a:ext>
-            </a:extLst>
-          </p:cNvPr>
+          <p:cNvPr id="2" name="標題 1"/>
           <p:cNvSpPr>
             <a:spLocks noGrp="1"/>
           </p:cNvSpPr>
@@ -4502,13 +4087,7 @@
       </p:sp>
       <p:sp>
         <p:nvSpPr>
-          <p:cNvPr id="3" name="內容版面配置區 2">
-            <a:extLst>
-              <a:ext uri="{FF2B5EF4-FFF2-40B4-BE49-F238E27FC236}">
-                <a16:creationId xmlns:a16="http://schemas.microsoft.com/office/drawing/2014/main" id="{6FB7EBD3-4176-4EA9-948B-21B59AB3C36F}"/>
-              </a:ext>
-            </a:extLst>
-          </p:cNvPr>
+          <p:cNvPr id="3" name="內容版面配置區 2"/>
           <p:cNvSpPr>
             <a:spLocks noGrp="1"/>
           </p:cNvSpPr>
@@ -4588,6 +4167,14 @@
               </a:rPr>
               <a:t>)</a:t>
             </a:r>
+            <a:endParaRPr lang="en-US" altLang="zh-TW" sz="2000" b="1" dirty="0">
+              <a:solidFill>
+                <a:schemeClr val="bg1"/>
+              </a:solidFill>
+              <a:effectLst/>
+              <a:latin typeface="微軟正黑體" panose="020B0604030504040204" pitchFamily="34" charset="-120"/>
+              <a:ea typeface="微軟正黑體" panose="020B0604030504040204" pitchFamily="34" charset="-120"/>
+            </a:endParaRPr>
           </a:p>
           <a:p>
             <a:pPr>
@@ -4673,11 +4260,6 @@
         </p:txBody>
       </p:sp>
     </p:spTree>
-    <p:extLst>
-      <p:ext uri="{BB962C8B-B14F-4D97-AF65-F5344CB8AC3E}">
-        <p14:creationId xmlns:p14="http://schemas.microsoft.com/office/powerpoint/2010/main" val="2325461017"/>
-      </p:ext>
-    </p:extLst>
   </p:cSld>
   <p:clrMapOvr>
     <a:masterClrMapping/>
@@ -4704,20 +4286,14 @@
       </p:grpSpPr>
       <p:pic>
         <p:nvPicPr>
-          <p:cNvPr id="5" name="圖片 4">
-            <a:extLst>
-              <a:ext uri="{FF2B5EF4-FFF2-40B4-BE49-F238E27FC236}">
-                <a16:creationId xmlns:a16="http://schemas.microsoft.com/office/drawing/2014/main" id="{2B04FA48-DFBD-4412-815B-55EE880EE345}"/>
-              </a:ext>
-            </a:extLst>
-          </p:cNvPr>
+          <p:cNvPr id="5" name="圖片 4"/>
           <p:cNvPicPr>
             <a:picLocks noChangeAspect="1"/>
           </p:cNvPicPr>
           <p:nvPr/>
         </p:nvPicPr>
         <p:blipFill>
-          <a:blip r:embed="rId2">
+          <a:blip r:embed="rId1">
             <a:extLst>
               <a:ext uri="{28A0092B-C50C-407E-A947-70E740481C1C}">
                 <a14:useLocalDpi xmlns:a14="http://schemas.microsoft.com/office/drawing/2010/main" val="0"/>
@@ -4740,13 +4316,7 @@
       </p:pic>
       <p:sp>
         <p:nvSpPr>
-          <p:cNvPr id="7" name="文字方塊 6">
-            <a:extLst>
-              <a:ext uri="{FF2B5EF4-FFF2-40B4-BE49-F238E27FC236}">
-                <a16:creationId xmlns:a16="http://schemas.microsoft.com/office/drawing/2014/main" id="{23D9DA55-4B07-4967-A97C-AAE4C9101F2F}"/>
-              </a:ext>
-            </a:extLst>
-          </p:cNvPr>
+          <p:cNvPr id="7" name="文字方塊 6"/>
           <p:cNvSpPr txBox="1"/>
           <p:nvPr/>
         </p:nvSpPr>
@@ -4853,11 +4423,6 @@
         </p:txBody>
       </p:sp>
     </p:spTree>
-    <p:extLst>
-      <p:ext uri="{BB962C8B-B14F-4D97-AF65-F5344CB8AC3E}">
-        <p14:creationId xmlns:p14="http://schemas.microsoft.com/office/powerpoint/2010/main" val="59247713"/>
-      </p:ext>
-    </p:extLst>
   </p:cSld>
   <p:clrMapOvr>
     <a:masterClrMapping/>
@@ -4884,13 +4449,7 @@
       </p:grpSpPr>
       <p:sp>
         <p:nvSpPr>
-          <p:cNvPr id="2" name="標題 1">
-            <a:extLst>
-              <a:ext uri="{FF2B5EF4-FFF2-40B4-BE49-F238E27FC236}">
-                <a16:creationId xmlns:a16="http://schemas.microsoft.com/office/drawing/2014/main" id="{B1E4F775-4BAD-4B91-9D6F-A244575F6269}"/>
-              </a:ext>
-            </a:extLst>
-          </p:cNvPr>
+          <p:cNvPr id="2" name="標題 1"/>
           <p:cNvSpPr>
             <a:spLocks noGrp="1"/>
           </p:cNvSpPr>
@@ -4961,13 +4520,7 @@
       </p:sp>
       <p:sp>
         <p:nvSpPr>
-          <p:cNvPr id="3" name="內容版面配置區 2">
-            <a:extLst>
-              <a:ext uri="{FF2B5EF4-FFF2-40B4-BE49-F238E27FC236}">
-                <a16:creationId xmlns:a16="http://schemas.microsoft.com/office/drawing/2014/main" id="{F5044058-0CB3-4B11-A260-B31A3841984E}"/>
-              </a:ext>
-            </a:extLst>
-          </p:cNvPr>
+          <p:cNvPr id="3" name="內容版面配置區 2"/>
           <p:cNvSpPr>
             <a:spLocks noGrp="1"/>
           </p:cNvSpPr>
@@ -5003,6 +4556,13 @@
               </a:rPr>
               <a:t>在大多數情況下兩者可以互相替換使用，主要取決於個人喜好或者團隊習慣，根據具體情況去決定要使用哪個就好。</a:t>
             </a:r>
+            <a:endParaRPr lang="zh-TW" altLang="en-US" sz="1600" dirty="0">
+              <a:solidFill>
+                <a:schemeClr val="bg1"/>
+              </a:solidFill>
+              <a:latin typeface="微軟正黑體" panose="020B0604030504040204" pitchFamily="34" charset="-120"/>
+              <a:ea typeface="微軟正黑體" panose="020B0604030504040204" pitchFamily="34" charset="-120"/>
+            </a:endParaRPr>
           </a:p>
           <a:p>
             <a:pPr>
@@ -5050,6 +4610,13 @@
               </a:rPr>
               <a:t> 可以接受任何型態的資料，但是不會對物件或陣列內部的屬性變動做監聽。</a:t>
             </a:r>
+            <a:endParaRPr lang="zh-TW" altLang="en-US" sz="2400" dirty="0">
+              <a:solidFill>
+                <a:schemeClr val="bg1"/>
+              </a:solidFill>
+              <a:latin typeface="微軟正黑體" panose="020B0604030504040204" pitchFamily="34" charset="-120"/>
+              <a:ea typeface="微軟正黑體" panose="020B0604030504040204" pitchFamily="34" charset="-120"/>
+            </a:endParaRPr>
           </a:p>
           <a:p>
             <a:pPr>
@@ -5137,15 +4704,17 @@
               </a:rPr>
               <a:t>。</a:t>
             </a:r>
+            <a:endParaRPr lang="zh-TW" altLang="en-US" sz="2400" dirty="0">
+              <a:solidFill>
+                <a:schemeClr val="bg1"/>
+              </a:solidFill>
+              <a:latin typeface="微軟正黑體" panose="020B0604030504040204" pitchFamily="34" charset="-120"/>
+              <a:ea typeface="微軟正黑體" panose="020B0604030504040204" pitchFamily="34" charset="-120"/>
+            </a:endParaRPr>
           </a:p>
         </p:txBody>
       </p:sp>
     </p:spTree>
-    <p:extLst>
-      <p:ext uri="{BB962C8B-B14F-4D97-AF65-F5344CB8AC3E}">
-        <p14:creationId xmlns:p14="http://schemas.microsoft.com/office/powerpoint/2010/main" val="2711867427"/>
-      </p:ext>
-    </p:extLst>
   </p:cSld>
   <p:clrMapOvr>
     <a:masterClrMapping/>
@@ -5172,20 +4741,14 @@
       </p:grpSpPr>
       <p:pic>
         <p:nvPicPr>
-          <p:cNvPr id="5" name="圖片 4">
-            <a:extLst>
-              <a:ext uri="{FF2B5EF4-FFF2-40B4-BE49-F238E27FC236}">
-                <a16:creationId xmlns:a16="http://schemas.microsoft.com/office/drawing/2014/main" id="{6954DCC3-B23E-425F-96BE-BEFB36D940CF}"/>
-              </a:ext>
-            </a:extLst>
-          </p:cNvPr>
+          <p:cNvPr id="5" name="圖片 4"/>
           <p:cNvPicPr>
             <a:picLocks noChangeAspect="1"/>
           </p:cNvPicPr>
           <p:nvPr/>
         </p:nvPicPr>
         <p:blipFill>
-          <a:blip r:embed="rId2">
+          <a:blip r:embed="rId1">
             <a:extLst>
               <a:ext uri="{28A0092B-C50C-407E-A947-70E740481C1C}">
                 <a14:useLocalDpi xmlns:a14="http://schemas.microsoft.com/office/drawing/2010/main" val="0"/>
@@ -5207,11 +4770,6 @@
         </p:spPr>
       </p:pic>
     </p:spTree>
-    <p:extLst>
-      <p:ext uri="{BB962C8B-B14F-4D97-AF65-F5344CB8AC3E}">
-        <p14:creationId xmlns:p14="http://schemas.microsoft.com/office/powerpoint/2010/main" val="3760419156"/>
-      </p:ext>
-    </p:extLst>
   </p:cSld>
   <p:clrMapOvr>
     <a:masterClrMapping/>
@@ -5238,13 +4796,7 @@
       </p:grpSpPr>
       <p:sp>
         <p:nvSpPr>
-          <p:cNvPr id="5" name="文字方塊 4">
-            <a:extLst>
-              <a:ext uri="{FF2B5EF4-FFF2-40B4-BE49-F238E27FC236}">
-                <a16:creationId xmlns:a16="http://schemas.microsoft.com/office/drawing/2014/main" id="{CE4F785A-0CF6-4888-B205-2C4A05A11678}"/>
-              </a:ext>
-            </a:extLst>
-          </p:cNvPr>
+          <p:cNvPr id="5" name="文字方塊 4"/>
           <p:cNvSpPr txBox="1"/>
           <p:nvPr/>
         </p:nvSpPr>
@@ -5282,13 +4834,7 @@
       </p:sp>
       <p:sp>
         <p:nvSpPr>
-          <p:cNvPr id="8" name="文字方塊 7">
-            <a:extLst>
-              <a:ext uri="{FF2B5EF4-FFF2-40B4-BE49-F238E27FC236}">
-                <a16:creationId xmlns:a16="http://schemas.microsoft.com/office/drawing/2014/main" id="{8DCE7E7C-8E9F-48CD-96CA-644534A1F92C}"/>
-              </a:ext>
-            </a:extLst>
-          </p:cNvPr>
+          <p:cNvPr id="8" name="文字方塊 7"/>
           <p:cNvSpPr txBox="1"/>
           <p:nvPr/>
         </p:nvSpPr>
@@ -5390,6 +4936,14 @@
               </a:rPr>
               <a:t>的資料只可以讀取不可以被修改</a:t>
             </a:r>
+            <a:endParaRPr lang="zh-TW" altLang="en-US" sz="1400" b="1" dirty="0">
+              <a:solidFill>
+                <a:schemeClr val="bg1"/>
+              </a:solidFill>
+              <a:effectLst/>
+              <a:latin typeface="微軟正黑體" panose="020B0604030504040204" pitchFamily="34" charset="-120"/>
+              <a:ea typeface="微軟正黑體" panose="020B0604030504040204" pitchFamily="34" charset="-120"/>
+            </a:endParaRPr>
           </a:p>
           <a:p>
             <a:pPr>
@@ -5408,25 +4962,27 @@
               </a:rPr>
               <a:t>非常適合用在參數傳遞的時候避免不小心被修改資料</a:t>
             </a:r>
+            <a:endParaRPr lang="zh-TW" altLang="en-US" sz="1400" b="1" dirty="0">
+              <a:solidFill>
+                <a:schemeClr val="bg1"/>
+              </a:solidFill>
+              <a:effectLst/>
+              <a:latin typeface="微軟正黑體" panose="020B0604030504040204" pitchFamily="34" charset="-120"/>
+              <a:ea typeface="微軟正黑體" panose="020B0604030504040204" pitchFamily="34" charset="-120"/>
+            </a:endParaRPr>
           </a:p>
         </p:txBody>
       </p:sp>
       <p:pic>
         <p:nvPicPr>
-          <p:cNvPr id="10" name="圖片 9">
-            <a:extLst>
-              <a:ext uri="{FF2B5EF4-FFF2-40B4-BE49-F238E27FC236}">
-                <a16:creationId xmlns:a16="http://schemas.microsoft.com/office/drawing/2014/main" id="{0DFB0E50-C76C-411E-A7AA-6705663835AA}"/>
-              </a:ext>
-            </a:extLst>
-          </p:cNvPr>
+          <p:cNvPr id="10" name="圖片 9"/>
           <p:cNvPicPr>
             <a:picLocks noChangeAspect="1"/>
           </p:cNvPicPr>
           <p:nvPr/>
         </p:nvPicPr>
         <p:blipFill>
-          <a:blip r:embed="rId2">
+          <a:blip r:embed="rId1">
             <a:extLst>
               <a:ext uri="{28A0092B-C50C-407E-A947-70E740481C1C}">
                 <a14:useLocalDpi xmlns:a14="http://schemas.microsoft.com/office/drawing/2010/main" val="0"/>
@@ -5448,11 +5004,6 @@
         </p:spPr>
       </p:pic>
     </p:spTree>
-    <p:extLst>
-      <p:ext uri="{BB962C8B-B14F-4D97-AF65-F5344CB8AC3E}">
-        <p14:creationId xmlns:p14="http://schemas.microsoft.com/office/powerpoint/2010/main" val="1416973144"/>
-      </p:ext>
-    </p:extLst>
   </p:cSld>
   <p:clrMapOvr>
     <a:masterClrMapping/>
@@ -5479,13 +5030,7 @@
       </p:grpSpPr>
       <p:sp>
         <p:nvSpPr>
-          <p:cNvPr id="3" name="內容版面配置區 2">
-            <a:extLst>
-              <a:ext uri="{FF2B5EF4-FFF2-40B4-BE49-F238E27FC236}">
-                <a16:creationId xmlns:a16="http://schemas.microsoft.com/office/drawing/2014/main" id="{0B459CA4-E4ED-448E-A0B7-0F1B2C95BF2A}"/>
-              </a:ext>
-            </a:extLst>
-          </p:cNvPr>
+          <p:cNvPr id="3" name="內容版面配置區 2"/>
           <p:cNvSpPr>
             <a:spLocks noGrp="1"/>
           </p:cNvSpPr>
@@ -5550,6 +5095,13 @@
               </a:rPr>
               <a:t>key</a:t>
             </a:r>
+            <a:endParaRPr lang="en-US" altLang="zh-TW" b="1" dirty="0">
+              <a:solidFill>
+                <a:schemeClr val="bg1"/>
+              </a:solidFill>
+              <a:latin typeface="微軟正黑體" panose="020B0604030504040204" pitchFamily="34" charset="-120"/>
+              <a:ea typeface="微軟正黑體" panose="020B0604030504040204" pitchFamily="34" charset="-120"/>
+            </a:endParaRPr>
           </a:p>
           <a:p>
             <a:pPr>
@@ -5597,6 +5149,13 @@
               </a:rPr>
               <a:t>key</a:t>
             </a:r>
+            <a:endParaRPr lang="en-US" altLang="zh-TW" b="1" dirty="0">
+              <a:solidFill>
+                <a:schemeClr val="bg1"/>
+              </a:solidFill>
+              <a:latin typeface="微軟正黑體" panose="020B0604030504040204" pitchFamily="34" charset="-120"/>
+              <a:ea typeface="微軟正黑體" panose="020B0604030504040204" pitchFamily="34" charset="-120"/>
+            </a:endParaRPr>
           </a:p>
           <a:p>
             <a:pPr>
@@ -5634,18 +5193,19 @@
               </a:rPr>
               <a:t>的值</a:t>
             </a:r>
-          </a:p>
-        </p:txBody>
-      </p:sp>
-      <p:sp>
-        <p:nvSpPr>
-          <p:cNvPr id="5" name="文字方塊 4">
-            <a:extLst>
-              <a:ext uri="{FF2B5EF4-FFF2-40B4-BE49-F238E27FC236}">
-                <a16:creationId xmlns:a16="http://schemas.microsoft.com/office/drawing/2014/main" id="{AADD4E13-33D9-4399-A235-6D0B8F61ED35}"/>
-              </a:ext>
-            </a:extLst>
-          </p:cNvPr>
+            <a:endParaRPr lang="zh-TW" altLang="en-US" b="1" dirty="0">
+              <a:solidFill>
+                <a:schemeClr val="bg1"/>
+              </a:solidFill>
+              <a:latin typeface="微軟正黑體" panose="020B0604030504040204" pitchFamily="34" charset="-120"/>
+              <a:ea typeface="微軟正黑體" panose="020B0604030504040204" pitchFamily="34" charset="-120"/>
+            </a:endParaRPr>
+          </a:p>
+        </p:txBody>
+      </p:sp>
+      <p:sp>
+        <p:nvSpPr>
+          <p:cNvPr id="5" name="文字方塊 4"/>
           <p:cNvSpPr txBox="1"/>
           <p:nvPr/>
         </p:nvSpPr>
@@ -5690,11 +5250,6 @@
         </p:txBody>
       </p:sp>
     </p:spTree>
-    <p:extLst>
-      <p:ext uri="{BB962C8B-B14F-4D97-AF65-F5344CB8AC3E}">
-        <p14:creationId xmlns:p14="http://schemas.microsoft.com/office/powerpoint/2010/main" val="2630199220"/>
-      </p:ext>
-    </p:extLst>
   </p:cSld>
   <p:clrMapOvr>
     <a:masterClrMapping/>
@@ -5721,13 +5276,7 @@
       </p:grpSpPr>
       <p:sp>
         <p:nvSpPr>
-          <p:cNvPr id="5" name="文字方塊 4">
-            <a:extLst>
-              <a:ext uri="{FF2B5EF4-FFF2-40B4-BE49-F238E27FC236}">
-                <a16:creationId xmlns:a16="http://schemas.microsoft.com/office/drawing/2014/main" id="{C533F377-4647-45E3-A24A-E71F29038807}"/>
-              </a:ext>
-            </a:extLst>
-          </p:cNvPr>
+          <p:cNvPr id="5" name="文字方塊 4"/>
           <p:cNvSpPr txBox="1"/>
           <p:nvPr/>
         </p:nvSpPr>
@@ -5765,13 +5314,7 @@
       </p:sp>
       <p:sp>
         <p:nvSpPr>
-          <p:cNvPr id="7" name="文字方塊 6">
-            <a:extLst>
-              <a:ext uri="{FF2B5EF4-FFF2-40B4-BE49-F238E27FC236}">
-                <a16:creationId xmlns:a16="http://schemas.microsoft.com/office/drawing/2014/main" id="{D4905171-F55F-4165-9C00-F21AE8FFAE7F}"/>
-              </a:ext>
-            </a:extLst>
-          </p:cNvPr>
+          <p:cNvPr id="7" name="文字方塊 6"/>
           <p:cNvSpPr txBox="1"/>
           <p:nvPr/>
         </p:nvSpPr>
@@ -5809,13 +5352,7 @@
       </p:sp>
       <p:sp>
         <p:nvSpPr>
-          <p:cNvPr id="9" name="文字方塊 8">
-            <a:extLst>
-              <a:ext uri="{FF2B5EF4-FFF2-40B4-BE49-F238E27FC236}">
-                <a16:creationId xmlns:a16="http://schemas.microsoft.com/office/drawing/2014/main" id="{FCDCB5C2-3733-4C5D-9F97-7BEC38154258}"/>
-              </a:ext>
-            </a:extLst>
-          </p:cNvPr>
+          <p:cNvPr id="9" name="文字方塊 8"/>
           <p:cNvSpPr txBox="1"/>
           <p:nvPr/>
         </p:nvSpPr>
@@ -5865,18 +5402,19 @@
               </a:rPr>
               <a:t>從頁面上移除跟加入</a:t>
             </a:r>
-          </a:p>
-        </p:txBody>
-      </p:sp>
-      <p:sp>
-        <p:nvSpPr>
-          <p:cNvPr id="11" name="文字方塊 10">
-            <a:extLst>
-              <a:ext uri="{FF2B5EF4-FFF2-40B4-BE49-F238E27FC236}">
-                <a16:creationId xmlns:a16="http://schemas.microsoft.com/office/drawing/2014/main" id="{E49C8037-52B6-48D0-AF9C-E6799C87489C}"/>
-              </a:ext>
-            </a:extLst>
-          </p:cNvPr>
+            <a:endParaRPr lang="zh-TW" altLang="en-US" sz="2400" dirty="0">
+              <a:solidFill>
+                <a:schemeClr val="bg1"/>
+              </a:solidFill>
+              <a:latin typeface="微軟正黑體" panose="020B0604030504040204" pitchFamily="34" charset="-120"/>
+              <a:ea typeface="微軟正黑體" panose="020B0604030504040204" pitchFamily="34" charset="-120"/>
+            </a:endParaRPr>
+          </a:p>
+        </p:txBody>
+      </p:sp>
+      <p:sp>
+        <p:nvSpPr>
+          <p:cNvPr id="11" name="文字方塊 10"/>
           <p:cNvSpPr txBox="1"/>
           <p:nvPr/>
         </p:nvSpPr>
@@ -5966,15 +5504,17 @@
               </a:rPr>
               <a:t>來顯示關閉</a:t>
             </a:r>
+            <a:endParaRPr lang="zh-TW" altLang="en-US" sz="2400" dirty="0">
+              <a:solidFill>
+                <a:schemeClr val="bg1"/>
+              </a:solidFill>
+              <a:latin typeface="微軟正黑體" panose="020B0604030504040204" pitchFamily="34" charset="-120"/>
+              <a:ea typeface="微軟正黑體" panose="020B0604030504040204" pitchFamily="34" charset="-120"/>
+            </a:endParaRPr>
           </a:p>
         </p:txBody>
       </p:sp>
     </p:spTree>
-    <p:extLst>
-      <p:ext uri="{BB962C8B-B14F-4D97-AF65-F5344CB8AC3E}">
-        <p14:creationId xmlns:p14="http://schemas.microsoft.com/office/powerpoint/2010/main" val="3213898054"/>
-      </p:ext>
-    </p:extLst>
   </p:cSld>
   <p:clrMapOvr>
     <a:masterClrMapping/>
@@ -6001,13 +5541,7 @@
       </p:grpSpPr>
       <p:sp>
         <p:nvSpPr>
-          <p:cNvPr id="2" name="標題 1">
-            <a:extLst>
-              <a:ext uri="{FF2B5EF4-FFF2-40B4-BE49-F238E27FC236}">
-                <a16:creationId xmlns:a16="http://schemas.microsoft.com/office/drawing/2014/main" id="{3592D7BC-04D6-4063-AAAE-BDB5AC195777}"/>
-              </a:ext>
-            </a:extLst>
-          </p:cNvPr>
+          <p:cNvPr id="2" name="標題 1"/>
           <p:cNvSpPr>
             <a:spLocks noGrp="1"/>
           </p:cNvSpPr>
@@ -6071,13 +5605,7 @@
       </p:sp>
       <p:sp>
         <p:nvSpPr>
-          <p:cNvPr id="5" name="文字方塊 4">
-            <a:extLst>
-              <a:ext uri="{FF2B5EF4-FFF2-40B4-BE49-F238E27FC236}">
-                <a16:creationId xmlns:a16="http://schemas.microsoft.com/office/drawing/2014/main" id="{05BAE6D8-D500-47F3-A3E3-E33F39830E8F}"/>
-              </a:ext>
-            </a:extLst>
-          </p:cNvPr>
+          <p:cNvPr id="5" name="文字方塊 4"/>
           <p:cNvSpPr txBox="1"/>
           <p:nvPr/>
         </p:nvSpPr>
@@ -6173,13 +5701,7 @@
       </p:sp>
       <p:sp>
         <p:nvSpPr>
-          <p:cNvPr id="7" name="文字方塊 6">
-            <a:extLst>
-              <a:ext uri="{FF2B5EF4-FFF2-40B4-BE49-F238E27FC236}">
-                <a16:creationId xmlns:a16="http://schemas.microsoft.com/office/drawing/2014/main" id="{43B8E83F-2230-4EF1-BFE0-47B68370D1E6}"/>
-              </a:ext>
-            </a:extLst>
-          </p:cNvPr>
+          <p:cNvPr id="7" name="文字方塊 6"/>
           <p:cNvSpPr txBox="1"/>
           <p:nvPr/>
         </p:nvSpPr>
@@ -6230,11 +5752,6 @@
         </p:txBody>
       </p:sp>
     </p:spTree>
-    <p:extLst>
-      <p:ext uri="{BB962C8B-B14F-4D97-AF65-F5344CB8AC3E}">
-        <p14:creationId xmlns:p14="http://schemas.microsoft.com/office/powerpoint/2010/main" val="1430038804"/>
-      </p:ext>
-    </p:extLst>
   </p:cSld>
   <p:clrMapOvr>
     <a:masterClrMapping/>
@@ -6261,13 +5778,7 @@
       </p:grpSpPr>
       <p:sp>
         <p:nvSpPr>
-          <p:cNvPr id="5" name="文字方塊 4">
-            <a:extLst>
-              <a:ext uri="{FF2B5EF4-FFF2-40B4-BE49-F238E27FC236}">
-                <a16:creationId xmlns:a16="http://schemas.microsoft.com/office/drawing/2014/main" id="{F87A0B05-A318-46CF-98C9-BBA537B704BA}"/>
-              </a:ext>
-            </a:extLst>
-          </p:cNvPr>
+          <p:cNvPr id="5" name="文字方塊 4"/>
           <p:cNvSpPr txBox="1"/>
           <p:nvPr/>
         </p:nvSpPr>
@@ -6368,20 +5879,14 @@
       </p:sp>
       <p:pic>
         <p:nvPicPr>
-          <p:cNvPr id="7" name="圖片 6">
-            <a:extLst>
-              <a:ext uri="{FF2B5EF4-FFF2-40B4-BE49-F238E27FC236}">
-                <a16:creationId xmlns:a16="http://schemas.microsoft.com/office/drawing/2014/main" id="{79689B47-2D2E-46E7-AB4A-30E193332EA4}"/>
-              </a:ext>
-            </a:extLst>
-          </p:cNvPr>
+          <p:cNvPr id="7" name="圖片 6"/>
           <p:cNvPicPr>
             <a:picLocks noChangeAspect="1"/>
           </p:cNvPicPr>
           <p:nvPr/>
         </p:nvPicPr>
         <p:blipFill>
-          <a:blip r:embed="rId2">
+          <a:blip r:embed="rId1">
             <a:extLst>
               <a:ext uri="{28A0092B-C50C-407E-A947-70E740481C1C}">
                 <a14:useLocalDpi xmlns:a14="http://schemas.microsoft.com/office/drawing/2010/main" val="0"/>
@@ -6404,13 +5909,7 @@
       </p:pic>
       <p:sp>
         <p:nvSpPr>
-          <p:cNvPr id="9" name="文字方塊 8">
-            <a:extLst>
-              <a:ext uri="{FF2B5EF4-FFF2-40B4-BE49-F238E27FC236}">
-                <a16:creationId xmlns:a16="http://schemas.microsoft.com/office/drawing/2014/main" id="{7BE36EAC-980C-4C2E-8650-811134A02401}"/>
-              </a:ext>
-            </a:extLst>
-          </p:cNvPr>
+          <p:cNvPr id="9" name="文字方塊 8"/>
           <p:cNvSpPr txBox="1"/>
           <p:nvPr/>
         </p:nvSpPr>
@@ -6481,11 +5980,6 @@
         </p:txBody>
       </p:sp>
     </p:spTree>
-    <p:extLst>
-      <p:ext uri="{BB962C8B-B14F-4D97-AF65-F5344CB8AC3E}">
-        <p14:creationId xmlns:p14="http://schemas.microsoft.com/office/powerpoint/2010/main" val="2745596092"/>
-      </p:ext>
-    </p:extLst>
   </p:cSld>
   <p:clrMapOvr>
     <a:masterClrMapping/>
@@ -6536,7 +6030,7 @@
     </a:clrScheme>
     <a:fontScheme name="Office">
       <a:majorFont>
-        <a:latin typeface="Calibri Light" panose="020F0302020204030204"/>
+        <a:latin typeface="Calibri Light"/>
         <a:ea typeface=""/>
         <a:cs typeface=""/>
         <a:font script="Jpan" typeface="游ゴシック Light"/>
@@ -6569,26 +6063,9 @@
         <a:font script="Viet" typeface="Times New Roman"/>
         <a:font script="Uigh" typeface="Microsoft Uighur"/>
         <a:font script="Geor" typeface="Sylfaen"/>
-        <a:font script="Armn" typeface="Arial"/>
-        <a:font script="Bugi" typeface="Leelawadee UI"/>
-        <a:font script="Bopo" typeface="Microsoft JhengHei"/>
-        <a:font script="Java" typeface="Javanese Text"/>
-        <a:font script="Lisu" typeface="Segoe UI"/>
-        <a:font script="Mymr" typeface="Myanmar Text"/>
-        <a:font script="Nkoo" typeface="Ebrima"/>
-        <a:font script="Olck" typeface="Nirmala UI"/>
-        <a:font script="Osma" typeface="Ebrima"/>
-        <a:font script="Phag" typeface="Phagspa"/>
-        <a:font script="Syrn" typeface="Estrangelo Edessa"/>
-        <a:font script="Syrj" typeface="Estrangelo Edessa"/>
-        <a:font script="Syre" typeface="Estrangelo Edessa"/>
-        <a:font script="Sora" typeface="Nirmala UI"/>
-        <a:font script="Tale" typeface="Microsoft Tai Le"/>
-        <a:font script="Talu" typeface="Microsoft New Tai Lue"/>
-        <a:font script="Tfng" typeface="Ebrima"/>
       </a:majorFont>
       <a:minorFont>
-        <a:latin typeface="Calibri" panose="020F0502020204030204"/>
+        <a:latin typeface="Calibri"/>
         <a:ea typeface=""/>
         <a:cs typeface=""/>
         <a:font script="Jpan" typeface="游ゴシック"/>
@@ -6621,23 +6098,6 @@
         <a:font script="Viet" typeface="Arial"/>
         <a:font script="Uigh" typeface="Microsoft Uighur"/>
         <a:font script="Geor" typeface="Sylfaen"/>
-        <a:font script="Armn" typeface="Arial"/>
-        <a:font script="Bugi" typeface="Leelawadee UI"/>
-        <a:font script="Bopo" typeface="Microsoft JhengHei"/>
-        <a:font script="Java" typeface="Javanese Text"/>
-        <a:font script="Lisu" typeface="Segoe UI"/>
-        <a:font script="Mymr" typeface="Myanmar Text"/>
-        <a:font script="Nkoo" typeface="Ebrima"/>
-        <a:font script="Olck" typeface="Nirmala UI"/>
-        <a:font script="Osma" typeface="Ebrima"/>
-        <a:font script="Phag" typeface="Phagspa"/>
-        <a:font script="Syrn" typeface="Estrangelo Edessa"/>
-        <a:font script="Syrj" typeface="Estrangelo Edessa"/>
-        <a:font script="Syre" typeface="Estrangelo Edessa"/>
-        <a:font script="Sora" typeface="Nirmala UI"/>
-        <a:font script="Tale" typeface="Microsoft Tai Le"/>
-        <a:font script="Talu" typeface="Microsoft New Tai Lue"/>
-        <a:font script="Tfng" typeface="Ebrima"/>
       </a:minorFont>
     </a:fontScheme>
     <a:fmtScheme name="Office">
@@ -6778,8 +6238,6 @@
       </a:bgFillStyleLst>
     </a:fmtScheme>
   </a:themeElements>
-  <a:objectDefaults/>
-  <a:extraClrSchemeLst/>
   <a:extLst>
     <a:ext uri="{05A4C25C-085E-4340-85A3-A5531E510DB2}">
       <thm15:themeFamily xmlns:thm15="http://schemas.microsoft.com/office/thememl/2012/main" name="Office Theme" id="{62F939B6-93AF-4DB8-9C6B-D6C7DFDC589F}" vid="{4A3C46E8-61CC-4603-A589-7422A47A8E4A}"/>
